--- a/Project Center/PPT/PPT.pptx
+++ b/Project Center/PPT/PPT.pptx
@@ -2,7 +2,7 @@
 <file path=ppt/presentation.xml><?xml version="1.0" encoding="utf-8"?>
 <p:presentation xmlns:a="http://schemas.openxmlformats.org/drawingml/2006/main" xmlns:r="http://schemas.openxmlformats.org/officeDocument/2006/relationships" xmlns:p="http://schemas.openxmlformats.org/presentationml/2006/main" saveSubsetFonts="1">
   <p:sldMasterIdLst>
-    <p:sldMasterId id="2147483696" r:id="rId1"/>
+    <p:sldMasterId id="2147483709" r:id="rId1"/>
   </p:sldMasterIdLst>
   <p:notesMasterIdLst>
     <p:notesMasterId r:id="rId19"/>
@@ -224,7 +224,7 @@
           <a:p>
             <a:fld id="{47C5682D-81CD-4CA3-8418-7F257C1030FC}" type="datetimeFigureOut">
               <a:rPr lang="en-IN" smtClean="0"/>
-              <a:t>12-05-2022</a:t>
+              <a:t>08-06-2022</a:t>
             </a:fld>
             <a:endParaRPr lang="en-IN"/>
           </a:p>
@@ -604,7 +604,13 @@
       </p:grpSpPr>
       <p:sp>
         <p:nvSpPr>
-          <p:cNvPr id="2" name="Title 1"/>
+          <p:cNvPr id="2" name="Title 1">
+            <a:extLst>
+              <a:ext uri="{FF2B5EF4-FFF2-40B4-BE49-F238E27FC236}">
+                <a16:creationId xmlns:a16="http://schemas.microsoft.com/office/drawing/2014/main" id="{542F3D58-E9DE-4A5D-BE0B-D59B85A95906}"/>
+              </a:ext>
+            </a:extLst>
+          </p:cNvPr>
           <p:cNvSpPr>
             <a:spLocks noGrp="1"/>
           </p:cNvSpPr>
@@ -614,22 +620,15 @@
         </p:nvSpPr>
         <p:spPr>
           <a:xfrm>
-            <a:off x="685800" y="1905000"/>
-            <a:ext cx="7543800" cy="2593975"/>
+            <a:off x="1143000" y="1122363"/>
+            <a:ext cx="6858000" cy="2387600"/>
           </a:xfrm>
         </p:spPr>
         <p:txBody>
           <a:bodyPr anchor="b"/>
           <a:lstStyle>
-            <a:lvl1pPr>
-              <a:defRPr sz="6600">
-                <a:ln>
-                  <a:noFill/>
-                </a:ln>
-                <a:solidFill>
-                  <a:schemeClr val="tx2"/>
-                </a:solidFill>
-              </a:defRPr>
+            <a:lvl1pPr algn="ctr">
+              <a:defRPr sz="4500"/>
             </a:lvl1pPr>
           </a:lstStyle>
           <a:p>
@@ -637,13 +636,19 @@
               <a:rPr lang="en-US"/>
               <a:t>Click to edit Master title style</a:t>
             </a:r>
-            <a:endParaRPr lang="en-US" dirty="0"/>
-          </a:p>
-        </p:txBody>
-      </p:sp>
-      <p:sp>
-        <p:nvSpPr>
-          <p:cNvPr id="3" name="Subtitle 2"/>
+            <a:endParaRPr lang="en-IN"/>
+          </a:p>
+        </p:txBody>
+      </p:sp>
+      <p:sp>
+        <p:nvSpPr>
+          <p:cNvPr id="3" name="Subtitle 2">
+            <a:extLst>
+              <a:ext uri="{FF2B5EF4-FFF2-40B4-BE49-F238E27FC236}">
+                <a16:creationId xmlns:a16="http://schemas.microsoft.com/office/drawing/2014/main" id="{A153D0B6-6690-4248-A200-67BF35820D97}"/>
+              </a:ext>
+            </a:extLst>
+          </p:cNvPr>
           <p:cNvSpPr>
             <a:spLocks noGrp="1"/>
           </p:cNvSpPr>
@@ -653,104 +658,48 @@
         </p:nvSpPr>
         <p:spPr>
           <a:xfrm>
-            <a:off x="685800" y="4572000"/>
-            <a:ext cx="6461760" cy="1066800"/>
+            <a:off x="1143000" y="3602038"/>
+            <a:ext cx="6858000" cy="1655762"/>
           </a:xfrm>
         </p:spPr>
         <p:txBody>
-          <a:bodyPr anchor="t">
-            <a:normAutofit/>
-          </a:bodyPr>
+          <a:bodyPr/>
           <a:lstStyle>
-            <a:lvl1pPr marL="0" indent="0" algn="l">
+            <a:lvl1pPr marL="0" indent="0" algn="ctr">
               <a:buNone/>
-              <a:defRPr sz="2000">
-                <a:solidFill>
-                  <a:schemeClr val="tx1">
-                    <a:tint val="75000"/>
-                  </a:schemeClr>
-                </a:solidFill>
-              </a:defRPr>
+              <a:defRPr sz="1800"/>
             </a:lvl1pPr>
-            <a:lvl2pPr marL="457200" indent="0" algn="ctr">
+            <a:lvl2pPr marL="342900" indent="0" algn="ctr">
               <a:buNone/>
-              <a:defRPr>
-                <a:solidFill>
-                  <a:schemeClr val="tx1">
-                    <a:tint val="75000"/>
-                  </a:schemeClr>
-                </a:solidFill>
-              </a:defRPr>
+              <a:defRPr sz="1500"/>
             </a:lvl2pPr>
-            <a:lvl3pPr marL="914400" indent="0" algn="ctr">
+            <a:lvl3pPr marL="685800" indent="0" algn="ctr">
               <a:buNone/>
-              <a:defRPr>
-                <a:solidFill>
-                  <a:schemeClr val="tx1">
-                    <a:tint val="75000"/>
-                  </a:schemeClr>
-                </a:solidFill>
-              </a:defRPr>
+              <a:defRPr sz="1350"/>
             </a:lvl3pPr>
-            <a:lvl4pPr marL="1371600" indent="0" algn="ctr">
+            <a:lvl4pPr marL="1028700" indent="0" algn="ctr">
               <a:buNone/>
-              <a:defRPr>
-                <a:solidFill>
-                  <a:schemeClr val="tx1">
-                    <a:tint val="75000"/>
-                  </a:schemeClr>
-                </a:solidFill>
-              </a:defRPr>
+              <a:defRPr sz="1200"/>
             </a:lvl4pPr>
-            <a:lvl5pPr marL="1828800" indent="0" algn="ctr">
+            <a:lvl5pPr marL="1371600" indent="0" algn="ctr">
               <a:buNone/>
-              <a:defRPr>
-                <a:solidFill>
-                  <a:schemeClr val="tx1">
-                    <a:tint val="75000"/>
-                  </a:schemeClr>
-                </a:solidFill>
-              </a:defRPr>
+              <a:defRPr sz="1200"/>
             </a:lvl5pPr>
-            <a:lvl6pPr marL="2286000" indent="0" algn="ctr">
+            <a:lvl6pPr marL="1714500" indent="0" algn="ctr">
               <a:buNone/>
-              <a:defRPr>
-                <a:solidFill>
-                  <a:schemeClr val="tx1">
-                    <a:tint val="75000"/>
-                  </a:schemeClr>
-                </a:solidFill>
-              </a:defRPr>
+              <a:defRPr sz="1200"/>
             </a:lvl6pPr>
-            <a:lvl7pPr marL="2743200" indent="0" algn="ctr">
+            <a:lvl7pPr marL="2057400" indent="0" algn="ctr">
               <a:buNone/>
-              <a:defRPr>
-                <a:solidFill>
-                  <a:schemeClr val="tx1">
-                    <a:tint val="75000"/>
-                  </a:schemeClr>
-                </a:solidFill>
-              </a:defRPr>
+              <a:defRPr sz="1200"/>
             </a:lvl7pPr>
-            <a:lvl8pPr marL="3200400" indent="0" algn="ctr">
+            <a:lvl8pPr marL="2400300" indent="0" algn="ctr">
               <a:buNone/>
-              <a:defRPr>
-                <a:solidFill>
-                  <a:schemeClr val="tx1">
-                    <a:tint val="75000"/>
-                  </a:schemeClr>
-                </a:solidFill>
-              </a:defRPr>
+              <a:defRPr sz="1200"/>
             </a:lvl8pPr>
-            <a:lvl9pPr marL="3657600" indent="0" algn="ctr">
+            <a:lvl9pPr marL="2743200" indent="0" algn="ctr">
               <a:buNone/>
-              <a:defRPr>
-                <a:solidFill>
-                  <a:schemeClr val="tx1">
-                    <a:tint val="75000"/>
-                  </a:schemeClr>
-                </a:solidFill>
-              </a:defRPr>
+              <a:defRPr sz="1200"/>
             </a:lvl9pPr>
           </a:lstStyle>
           <a:p>
@@ -758,13 +707,19 @@
               <a:rPr lang="en-US"/>
               <a:t>Click to edit Master subtitle style</a:t>
             </a:r>
-            <a:endParaRPr lang="en-US" dirty="0"/>
-          </a:p>
-        </p:txBody>
-      </p:sp>
-      <p:sp>
-        <p:nvSpPr>
-          <p:cNvPr id="4" name="Date Placeholder 3"/>
+            <a:endParaRPr lang="en-IN"/>
+          </a:p>
+        </p:txBody>
+      </p:sp>
+      <p:sp>
+        <p:nvSpPr>
+          <p:cNvPr id="4" name="Date Placeholder 3">
+            <a:extLst>
+              <a:ext uri="{FF2B5EF4-FFF2-40B4-BE49-F238E27FC236}">
+                <a16:creationId xmlns:a16="http://schemas.microsoft.com/office/drawing/2014/main" id="{4B5B4988-7C5D-4FB6-A601-264273385C62}"/>
+              </a:ext>
+            </a:extLst>
+          </p:cNvPr>
           <p:cNvSpPr>
             <a:spLocks noGrp="1"/>
           </p:cNvSpPr>
@@ -779,7 +734,7 @@
           <a:p>
             <a:fld id="{4B623FB3-6D89-433F-9B44-71608B1C306A}" type="datetimeFigureOut">
               <a:rPr lang="en-IN" smtClean="0"/>
-              <a:t>12-05-2022</a:t>
+              <a:t>08-06-2022</a:t>
             </a:fld>
             <a:endParaRPr lang="en-IN"/>
           </a:p>
@@ -787,7 +742,13 @@
       </p:sp>
       <p:sp>
         <p:nvSpPr>
-          <p:cNvPr id="5" name="Footer Placeholder 4"/>
+          <p:cNvPr id="5" name="Footer Placeholder 4">
+            <a:extLst>
+              <a:ext uri="{FF2B5EF4-FFF2-40B4-BE49-F238E27FC236}">
+                <a16:creationId xmlns:a16="http://schemas.microsoft.com/office/drawing/2014/main" id="{4C1C5DF9-DEC3-4BA3-931A-B5BC4AD6705C}"/>
+              </a:ext>
+            </a:extLst>
+          </p:cNvPr>
           <p:cNvSpPr>
             <a:spLocks noGrp="1"/>
           </p:cNvSpPr>
@@ -806,7 +767,13 @@
       </p:sp>
       <p:sp>
         <p:nvSpPr>
-          <p:cNvPr id="6" name="Slide Number Placeholder 5"/>
+          <p:cNvPr id="6" name="Slide Number Placeholder 5">
+            <a:extLst>
+              <a:ext uri="{FF2B5EF4-FFF2-40B4-BE49-F238E27FC236}">
+                <a16:creationId xmlns:a16="http://schemas.microsoft.com/office/drawing/2014/main" id="{037FC8DD-FA0D-4CFB-81A2-44E9D56D53FD}"/>
+              </a:ext>
+            </a:extLst>
+          </p:cNvPr>
           <p:cNvSpPr>
             <a:spLocks noGrp="1"/>
           </p:cNvSpPr>
@@ -828,6 +795,11 @@
         </p:txBody>
       </p:sp>
     </p:spTree>
+    <p:extLst>
+      <p:ext uri="{BB962C8B-B14F-4D97-AF65-F5344CB8AC3E}">
+        <p14:creationId xmlns:p14="http://schemas.microsoft.com/office/powerpoint/2010/main" val="656038612"/>
+      </p:ext>
+    </p:extLst>
   </p:cSld>
   <p:clrMapOvr>
     <a:masterClrMapping/>
@@ -854,7 +826,13 @@
       </p:grpSpPr>
       <p:sp>
         <p:nvSpPr>
-          <p:cNvPr id="2" name="Title 1"/>
+          <p:cNvPr id="2" name="Title 1">
+            <a:extLst>
+              <a:ext uri="{FF2B5EF4-FFF2-40B4-BE49-F238E27FC236}">
+                <a16:creationId xmlns:a16="http://schemas.microsoft.com/office/drawing/2014/main" id="{72C281C2-14F3-490F-85F4-77B9D70097F5}"/>
+              </a:ext>
+            </a:extLst>
+          </p:cNvPr>
           <p:cNvSpPr>
             <a:spLocks noGrp="1"/>
           </p:cNvSpPr>
@@ -871,12 +849,19 @@
               <a:rPr lang="en-US"/>
               <a:t>Click to edit Master title style</a:t>
             </a:r>
-          </a:p>
-        </p:txBody>
-      </p:sp>
-      <p:sp>
-        <p:nvSpPr>
-          <p:cNvPr id="3" name="Vertical Text Placeholder 2"/>
+            <a:endParaRPr lang="en-IN"/>
+          </a:p>
+        </p:txBody>
+      </p:sp>
+      <p:sp>
+        <p:nvSpPr>
+          <p:cNvPr id="3" name="Vertical Text Placeholder 2">
+            <a:extLst>
+              <a:ext uri="{FF2B5EF4-FFF2-40B4-BE49-F238E27FC236}">
+                <a16:creationId xmlns:a16="http://schemas.microsoft.com/office/drawing/2014/main" id="{B06CE18D-3B72-40F9-872C-CFFE8779DC2B}"/>
+              </a:ext>
+            </a:extLst>
+          </p:cNvPr>
           <p:cNvSpPr>
             <a:spLocks noGrp="1"/>
           </p:cNvSpPr>
@@ -922,12 +907,19 @@
               <a:rPr lang="en-US"/>
               <a:t>Fifth level</a:t>
             </a:r>
-          </a:p>
-        </p:txBody>
-      </p:sp>
-      <p:sp>
-        <p:nvSpPr>
-          <p:cNvPr id="4" name="Date Placeholder 3"/>
+            <a:endParaRPr lang="en-IN"/>
+          </a:p>
+        </p:txBody>
+      </p:sp>
+      <p:sp>
+        <p:nvSpPr>
+          <p:cNvPr id="4" name="Date Placeholder 3">
+            <a:extLst>
+              <a:ext uri="{FF2B5EF4-FFF2-40B4-BE49-F238E27FC236}">
+                <a16:creationId xmlns:a16="http://schemas.microsoft.com/office/drawing/2014/main" id="{B10DE22F-1879-4DE9-B75E-753CE9F37048}"/>
+              </a:ext>
+            </a:extLst>
+          </p:cNvPr>
           <p:cNvSpPr>
             <a:spLocks noGrp="1"/>
           </p:cNvSpPr>
@@ -942,7 +934,7 @@
           <a:p>
             <a:fld id="{4B623FB3-6D89-433F-9B44-71608B1C306A}" type="datetimeFigureOut">
               <a:rPr lang="en-IN" smtClean="0"/>
-              <a:t>12-05-2022</a:t>
+              <a:t>08-06-2022</a:t>
             </a:fld>
             <a:endParaRPr lang="en-IN"/>
           </a:p>
@@ -950,7 +942,13 @@
       </p:sp>
       <p:sp>
         <p:nvSpPr>
-          <p:cNvPr id="5" name="Footer Placeholder 4"/>
+          <p:cNvPr id="5" name="Footer Placeholder 4">
+            <a:extLst>
+              <a:ext uri="{FF2B5EF4-FFF2-40B4-BE49-F238E27FC236}">
+                <a16:creationId xmlns:a16="http://schemas.microsoft.com/office/drawing/2014/main" id="{77C682F3-5270-43D5-ADE5-9F05F6000502}"/>
+              </a:ext>
+            </a:extLst>
+          </p:cNvPr>
           <p:cNvSpPr>
             <a:spLocks noGrp="1"/>
           </p:cNvSpPr>
@@ -969,7 +967,13 @@
       </p:sp>
       <p:sp>
         <p:nvSpPr>
-          <p:cNvPr id="6" name="Slide Number Placeholder 5"/>
+          <p:cNvPr id="6" name="Slide Number Placeholder 5">
+            <a:extLst>
+              <a:ext uri="{FF2B5EF4-FFF2-40B4-BE49-F238E27FC236}">
+                <a16:creationId xmlns:a16="http://schemas.microsoft.com/office/drawing/2014/main" id="{C520EECA-3E6A-4341-83B2-E4105F8744BA}"/>
+              </a:ext>
+            </a:extLst>
+          </p:cNvPr>
           <p:cNvSpPr>
             <a:spLocks noGrp="1"/>
           </p:cNvSpPr>
@@ -991,6 +995,11 @@
         </p:txBody>
       </p:sp>
     </p:spTree>
+    <p:extLst>
+      <p:ext uri="{BB962C8B-B14F-4D97-AF65-F5344CB8AC3E}">
+        <p14:creationId xmlns:p14="http://schemas.microsoft.com/office/powerpoint/2010/main" val="445432538"/>
+      </p:ext>
+    </p:extLst>
   </p:cSld>
   <p:clrMapOvr>
     <a:masterClrMapping/>
@@ -1017,7 +1026,13 @@
       </p:grpSpPr>
       <p:sp>
         <p:nvSpPr>
-          <p:cNvPr id="2" name="Vertical Title 1"/>
+          <p:cNvPr id="2" name="Vertical Title 1">
+            <a:extLst>
+              <a:ext uri="{FF2B5EF4-FFF2-40B4-BE49-F238E27FC236}">
+                <a16:creationId xmlns:a16="http://schemas.microsoft.com/office/drawing/2014/main" id="{9EA2ED79-CF9F-43C3-ADF4-6FBE95B42218}"/>
+              </a:ext>
+            </a:extLst>
+          </p:cNvPr>
           <p:cNvSpPr>
             <a:spLocks noGrp="1"/>
           </p:cNvSpPr>
@@ -1027,25 +1042,31 @@
         </p:nvSpPr>
         <p:spPr>
           <a:xfrm>
-            <a:off x="6629400" y="274638"/>
-            <a:ext cx="1752600" cy="5851525"/>
+            <a:off x="6543675" y="365125"/>
+            <a:ext cx="1971675" cy="5811838"/>
           </a:xfrm>
         </p:spPr>
         <p:txBody>
-          <a:bodyPr vert="eaVert" anchor="b" anchorCtr="0"/>
+          <a:bodyPr vert="eaVert"/>
           <a:lstStyle/>
           <a:p>
             <a:r>
               <a:rPr lang="en-US"/>
               <a:t>Click to edit Master title style</a:t>
             </a:r>
-            <a:endParaRPr lang="en-US" dirty="0"/>
-          </a:p>
-        </p:txBody>
-      </p:sp>
-      <p:sp>
-        <p:nvSpPr>
-          <p:cNvPr id="3" name="Vertical Text Placeholder 2"/>
+            <a:endParaRPr lang="en-IN"/>
+          </a:p>
+        </p:txBody>
+      </p:sp>
+      <p:sp>
+        <p:nvSpPr>
+          <p:cNvPr id="3" name="Vertical Text Placeholder 2">
+            <a:extLst>
+              <a:ext uri="{FF2B5EF4-FFF2-40B4-BE49-F238E27FC236}">
+                <a16:creationId xmlns:a16="http://schemas.microsoft.com/office/drawing/2014/main" id="{2726D667-4C6E-4E69-BE3B-B312824DF8B5}"/>
+              </a:ext>
+            </a:extLst>
+          </p:cNvPr>
           <p:cNvSpPr>
             <a:spLocks noGrp="1"/>
           </p:cNvSpPr>
@@ -1055,8 +1076,8 @@
         </p:nvSpPr>
         <p:spPr>
           <a:xfrm>
-            <a:off x="457200" y="274638"/>
-            <a:ext cx="6019800" cy="5851525"/>
+            <a:off x="628650" y="365125"/>
+            <a:ext cx="5800725" cy="5811838"/>
           </a:xfrm>
         </p:spPr>
         <p:txBody>
@@ -1096,12 +1117,19 @@
               <a:rPr lang="en-US"/>
               <a:t>Fifth level</a:t>
             </a:r>
-          </a:p>
-        </p:txBody>
-      </p:sp>
-      <p:sp>
-        <p:nvSpPr>
-          <p:cNvPr id="4" name="Date Placeholder 3"/>
+            <a:endParaRPr lang="en-IN"/>
+          </a:p>
+        </p:txBody>
+      </p:sp>
+      <p:sp>
+        <p:nvSpPr>
+          <p:cNvPr id="4" name="Date Placeholder 3">
+            <a:extLst>
+              <a:ext uri="{FF2B5EF4-FFF2-40B4-BE49-F238E27FC236}">
+                <a16:creationId xmlns:a16="http://schemas.microsoft.com/office/drawing/2014/main" id="{3C2A7269-6FD4-4A1A-804B-1A497BC8E692}"/>
+              </a:ext>
+            </a:extLst>
+          </p:cNvPr>
           <p:cNvSpPr>
             <a:spLocks noGrp="1"/>
           </p:cNvSpPr>
@@ -1116,7 +1144,7 @@
           <a:p>
             <a:fld id="{4B623FB3-6D89-433F-9B44-71608B1C306A}" type="datetimeFigureOut">
               <a:rPr lang="en-IN" smtClean="0"/>
-              <a:t>12-05-2022</a:t>
+              <a:t>08-06-2022</a:t>
             </a:fld>
             <a:endParaRPr lang="en-IN"/>
           </a:p>
@@ -1124,7 +1152,13 @@
       </p:sp>
       <p:sp>
         <p:nvSpPr>
-          <p:cNvPr id="5" name="Footer Placeholder 4"/>
+          <p:cNvPr id="5" name="Footer Placeholder 4">
+            <a:extLst>
+              <a:ext uri="{FF2B5EF4-FFF2-40B4-BE49-F238E27FC236}">
+                <a16:creationId xmlns:a16="http://schemas.microsoft.com/office/drawing/2014/main" id="{45D8F627-4112-4908-9C4A-EA251453EAE9}"/>
+              </a:ext>
+            </a:extLst>
+          </p:cNvPr>
           <p:cNvSpPr>
             <a:spLocks noGrp="1"/>
           </p:cNvSpPr>
@@ -1143,7 +1177,13 @@
       </p:sp>
       <p:sp>
         <p:nvSpPr>
-          <p:cNvPr id="6" name="Slide Number Placeholder 5"/>
+          <p:cNvPr id="6" name="Slide Number Placeholder 5">
+            <a:extLst>
+              <a:ext uri="{FF2B5EF4-FFF2-40B4-BE49-F238E27FC236}">
+                <a16:creationId xmlns:a16="http://schemas.microsoft.com/office/drawing/2014/main" id="{3403D858-D803-46C6-9FAB-0B3DA0A1AA4E}"/>
+              </a:ext>
+            </a:extLst>
+          </p:cNvPr>
           <p:cNvSpPr>
             <a:spLocks noGrp="1"/>
           </p:cNvSpPr>
@@ -1165,6 +1205,11 @@
         </p:txBody>
       </p:sp>
     </p:spTree>
+    <p:extLst>
+      <p:ext uri="{BB962C8B-B14F-4D97-AF65-F5344CB8AC3E}">
+        <p14:creationId xmlns:p14="http://schemas.microsoft.com/office/powerpoint/2010/main" val="1723328366"/>
+      </p:ext>
+    </p:extLst>
   </p:cSld>
   <p:clrMapOvr>
     <a:masterClrMapping/>
@@ -1390,7 +1435,7 @@
     </p:spTree>
     <p:extLst>
       <p:ext uri="{BB962C8B-B14F-4D97-AF65-F5344CB8AC3E}">
-        <p14:creationId xmlns:p14="http://schemas.microsoft.com/office/powerpoint/2010/main" val="1680126345"/>
+        <p14:creationId xmlns:p14="http://schemas.microsoft.com/office/powerpoint/2010/main" val="1239169058"/>
       </p:ext>
     </p:extLst>
   </p:cSld>
@@ -1419,7 +1464,13 @@
       </p:grpSpPr>
       <p:sp>
         <p:nvSpPr>
-          <p:cNvPr id="2" name="Title 1"/>
+          <p:cNvPr id="2" name="Title 1">
+            <a:extLst>
+              <a:ext uri="{FF2B5EF4-FFF2-40B4-BE49-F238E27FC236}">
+                <a16:creationId xmlns:a16="http://schemas.microsoft.com/office/drawing/2014/main" id="{5157A431-7D72-4F66-8EDA-A03FA5DA92DD}"/>
+              </a:ext>
+            </a:extLst>
+          </p:cNvPr>
           <p:cNvSpPr>
             <a:spLocks noGrp="1"/>
           </p:cNvSpPr>
@@ -1436,12 +1487,19 @@
               <a:rPr lang="en-US"/>
               <a:t>Click to edit Master title style</a:t>
             </a:r>
-          </a:p>
-        </p:txBody>
-      </p:sp>
-      <p:sp>
-        <p:nvSpPr>
-          <p:cNvPr id="3" name="Content Placeholder 2"/>
+            <a:endParaRPr lang="en-IN"/>
+          </a:p>
+        </p:txBody>
+      </p:sp>
+      <p:sp>
+        <p:nvSpPr>
+          <p:cNvPr id="3" name="Content Placeholder 2">
+            <a:extLst>
+              <a:ext uri="{FF2B5EF4-FFF2-40B4-BE49-F238E27FC236}">
+                <a16:creationId xmlns:a16="http://schemas.microsoft.com/office/drawing/2014/main" id="{B5F26E27-AAB3-4763-A303-55BC129233E6}"/>
+              </a:ext>
+            </a:extLst>
+          </p:cNvPr>
           <p:cNvSpPr>
             <a:spLocks noGrp="1"/>
           </p:cNvSpPr>
@@ -1487,12 +1545,19 @@
               <a:rPr lang="en-US"/>
               <a:t>Fifth level</a:t>
             </a:r>
-          </a:p>
-        </p:txBody>
-      </p:sp>
-      <p:sp>
-        <p:nvSpPr>
-          <p:cNvPr id="4" name="Date Placeholder 3"/>
+            <a:endParaRPr lang="en-IN"/>
+          </a:p>
+        </p:txBody>
+      </p:sp>
+      <p:sp>
+        <p:nvSpPr>
+          <p:cNvPr id="4" name="Date Placeholder 3">
+            <a:extLst>
+              <a:ext uri="{FF2B5EF4-FFF2-40B4-BE49-F238E27FC236}">
+                <a16:creationId xmlns:a16="http://schemas.microsoft.com/office/drawing/2014/main" id="{FE513723-0E51-4351-B877-5EB71F7CCEA6}"/>
+              </a:ext>
+            </a:extLst>
+          </p:cNvPr>
           <p:cNvSpPr>
             <a:spLocks noGrp="1"/>
           </p:cNvSpPr>
@@ -1507,7 +1572,7 @@
           <a:p>
             <a:fld id="{4B623FB3-6D89-433F-9B44-71608B1C306A}" type="datetimeFigureOut">
               <a:rPr lang="en-IN" smtClean="0"/>
-              <a:t>12-05-2022</a:t>
+              <a:t>08-06-2022</a:t>
             </a:fld>
             <a:endParaRPr lang="en-IN"/>
           </a:p>
@@ -1515,7 +1580,13 @@
       </p:sp>
       <p:sp>
         <p:nvSpPr>
-          <p:cNvPr id="5" name="Footer Placeholder 4"/>
+          <p:cNvPr id="5" name="Footer Placeholder 4">
+            <a:extLst>
+              <a:ext uri="{FF2B5EF4-FFF2-40B4-BE49-F238E27FC236}">
+                <a16:creationId xmlns:a16="http://schemas.microsoft.com/office/drawing/2014/main" id="{9481A4A1-F731-431F-BC7D-2B1931CDFD38}"/>
+              </a:ext>
+            </a:extLst>
+          </p:cNvPr>
           <p:cNvSpPr>
             <a:spLocks noGrp="1"/>
           </p:cNvSpPr>
@@ -1534,7 +1605,13 @@
       </p:sp>
       <p:sp>
         <p:nvSpPr>
-          <p:cNvPr id="6" name="Slide Number Placeholder 5"/>
+          <p:cNvPr id="6" name="Slide Number Placeholder 5">
+            <a:extLst>
+              <a:ext uri="{FF2B5EF4-FFF2-40B4-BE49-F238E27FC236}">
+                <a16:creationId xmlns:a16="http://schemas.microsoft.com/office/drawing/2014/main" id="{7CB3BBFF-23EF-4EC6-B774-FD2BCC7BED63}"/>
+              </a:ext>
+            </a:extLst>
+          </p:cNvPr>
           <p:cNvSpPr>
             <a:spLocks noGrp="1"/>
           </p:cNvSpPr>
@@ -1556,6 +1633,11 @@
         </p:txBody>
       </p:sp>
     </p:spTree>
+    <p:extLst>
+      <p:ext uri="{BB962C8B-B14F-4D97-AF65-F5344CB8AC3E}">
+        <p14:creationId xmlns:p14="http://schemas.microsoft.com/office/powerpoint/2010/main" val="2502932267"/>
+      </p:ext>
+    </p:extLst>
   </p:cSld>
   <p:clrMapOvr>
     <a:masterClrMapping/>
@@ -1582,7 +1664,13 @@
       </p:grpSpPr>
       <p:sp>
         <p:nvSpPr>
-          <p:cNvPr id="2" name="Title 1"/>
+          <p:cNvPr id="2" name="Title 1">
+            <a:extLst>
+              <a:ext uri="{FF2B5EF4-FFF2-40B4-BE49-F238E27FC236}">
+                <a16:creationId xmlns:a16="http://schemas.microsoft.com/office/drawing/2014/main" id="{D43288DC-10A0-4B9C-8F19-6ED321531059}"/>
+              </a:ext>
+            </a:extLst>
+          </p:cNvPr>
           <p:cNvSpPr>
             <a:spLocks noGrp="1"/>
           </p:cNvSpPr>
@@ -1592,15 +1680,15 @@
         </p:nvSpPr>
         <p:spPr>
           <a:xfrm>
-            <a:off x="722313" y="5486400"/>
-            <a:ext cx="7659687" cy="1168400"/>
+            <a:off x="623888" y="1709739"/>
+            <a:ext cx="7886700" cy="2852737"/>
           </a:xfrm>
         </p:spPr>
         <p:txBody>
-          <a:bodyPr anchor="t"/>
+          <a:bodyPr anchor="b"/>
           <a:lstStyle>
-            <a:lvl1pPr algn="l">
-              <a:defRPr sz="3600" b="0" cap="all"/>
+            <a:lvl1pPr>
+              <a:defRPr sz="4500"/>
             </a:lvl1pPr>
           </a:lstStyle>
           <a:p>
@@ -1608,13 +1696,19 @@
               <a:rPr lang="en-US"/>
               <a:t>Click to edit Master title style</a:t>
             </a:r>
-            <a:endParaRPr lang="en-US" dirty="0"/>
-          </a:p>
-        </p:txBody>
-      </p:sp>
-      <p:sp>
-        <p:nvSpPr>
-          <p:cNvPr id="3" name="Text Placeholder 2"/>
+            <a:endParaRPr lang="en-IN"/>
+          </a:p>
+        </p:txBody>
+      </p:sp>
+      <p:sp>
+        <p:nvSpPr>
+          <p:cNvPr id="3" name="Text Placeholder 2">
+            <a:extLst>
+              <a:ext uri="{FF2B5EF4-FFF2-40B4-BE49-F238E27FC236}">
+                <a16:creationId xmlns:a16="http://schemas.microsoft.com/office/drawing/2014/main" id="{7C80CACD-942C-4507-8A29-BA85F1358E48}"/>
+              </a:ext>
+            </a:extLst>
+          </p:cNvPr>
           <p:cNvSpPr>
             <a:spLocks noGrp="1"/>
           </p:cNvSpPr>
@@ -1624,24 +1718,14 @@
         </p:nvSpPr>
         <p:spPr>
           <a:xfrm>
-            <a:off x="722313" y="3852863"/>
-            <a:ext cx="6135687" cy="1633538"/>
+            <a:off x="623888" y="4589464"/>
+            <a:ext cx="7886700" cy="1500187"/>
           </a:xfrm>
         </p:spPr>
         <p:txBody>
-          <a:bodyPr anchor="b"/>
+          <a:bodyPr/>
           <a:lstStyle>
             <a:lvl1pPr marL="0" indent="0">
-              <a:buNone/>
-              <a:defRPr sz="2000">
-                <a:solidFill>
-                  <a:schemeClr val="tx1">
-                    <a:tint val="75000"/>
-                  </a:schemeClr>
-                </a:solidFill>
-              </a:defRPr>
-            </a:lvl1pPr>
-            <a:lvl2pPr marL="457200" indent="0">
               <a:buNone/>
               <a:defRPr sz="1800">
                 <a:solidFill>
@@ -1650,10 +1734,20 @@
                   </a:schemeClr>
                 </a:solidFill>
               </a:defRPr>
+            </a:lvl1pPr>
+            <a:lvl2pPr marL="342900" indent="0">
+              <a:buNone/>
+              <a:defRPr sz="1500">
+                <a:solidFill>
+                  <a:schemeClr val="tx1">
+                    <a:tint val="75000"/>
+                  </a:schemeClr>
+                </a:solidFill>
+              </a:defRPr>
             </a:lvl2pPr>
-            <a:lvl3pPr marL="914400" indent="0">
+            <a:lvl3pPr marL="685800" indent="0">
               <a:buNone/>
-              <a:defRPr sz="1600">
+              <a:defRPr sz="1350">
                 <a:solidFill>
                   <a:schemeClr val="tx1">
                     <a:tint val="75000"/>
@@ -1661,9 +1755,9 @@
                 </a:solidFill>
               </a:defRPr>
             </a:lvl3pPr>
-            <a:lvl4pPr marL="1371600" indent="0">
+            <a:lvl4pPr marL="1028700" indent="0">
               <a:buNone/>
-              <a:defRPr sz="1400">
+              <a:defRPr sz="1200">
                 <a:solidFill>
                   <a:schemeClr val="tx1">
                     <a:tint val="75000"/>
@@ -1671,9 +1765,9 @@
                 </a:solidFill>
               </a:defRPr>
             </a:lvl4pPr>
-            <a:lvl5pPr marL="1828800" indent="0">
+            <a:lvl5pPr marL="1371600" indent="0">
               <a:buNone/>
-              <a:defRPr sz="1400">
+              <a:defRPr sz="1200">
                 <a:solidFill>
                   <a:schemeClr val="tx1">
                     <a:tint val="75000"/>
@@ -1681,9 +1775,9 @@
                 </a:solidFill>
               </a:defRPr>
             </a:lvl5pPr>
-            <a:lvl6pPr marL="2286000" indent="0">
+            <a:lvl6pPr marL="1714500" indent="0">
               <a:buNone/>
-              <a:defRPr sz="1400">
+              <a:defRPr sz="1200">
                 <a:solidFill>
                   <a:schemeClr val="tx1">
                     <a:tint val="75000"/>
@@ -1691,9 +1785,9 @@
                 </a:solidFill>
               </a:defRPr>
             </a:lvl6pPr>
-            <a:lvl7pPr marL="2743200" indent="0">
+            <a:lvl7pPr marL="2057400" indent="0">
               <a:buNone/>
-              <a:defRPr sz="1400">
+              <a:defRPr sz="1200">
                 <a:solidFill>
                   <a:schemeClr val="tx1">
                     <a:tint val="75000"/>
@@ -1701,9 +1795,9 @@
                 </a:solidFill>
               </a:defRPr>
             </a:lvl7pPr>
-            <a:lvl8pPr marL="3200400" indent="0">
+            <a:lvl8pPr marL="2400300" indent="0">
               <a:buNone/>
-              <a:defRPr sz="1400">
+              <a:defRPr sz="1200">
                 <a:solidFill>
                   <a:schemeClr val="tx1">
                     <a:tint val="75000"/>
@@ -1711,9 +1805,9 @@
                 </a:solidFill>
               </a:defRPr>
             </a:lvl8pPr>
-            <a:lvl9pPr marL="3657600" indent="0">
+            <a:lvl9pPr marL="2743200" indent="0">
               <a:buNone/>
-              <a:defRPr sz="1400">
+              <a:defRPr sz="1200">
                 <a:solidFill>
                   <a:schemeClr val="tx1">
                     <a:tint val="75000"/>
@@ -1733,7 +1827,13 @@
       </p:sp>
       <p:sp>
         <p:nvSpPr>
-          <p:cNvPr id="4" name="Date Placeholder 3"/>
+          <p:cNvPr id="4" name="Date Placeholder 3">
+            <a:extLst>
+              <a:ext uri="{FF2B5EF4-FFF2-40B4-BE49-F238E27FC236}">
+                <a16:creationId xmlns:a16="http://schemas.microsoft.com/office/drawing/2014/main" id="{C7D6D98A-837A-4045-9908-530FC202910B}"/>
+              </a:ext>
+            </a:extLst>
+          </p:cNvPr>
           <p:cNvSpPr>
             <a:spLocks noGrp="1"/>
           </p:cNvSpPr>
@@ -1748,7 +1848,7 @@
           <a:p>
             <a:fld id="{4B623FB3-6D89-433F-9B44-71608B1C306A}" type="datetimeFigureOut">
               <a:rPr lang="en-IN" smtClean="0"/>
-              <a:t>12-05-2022</a:t>
+              <a:t>08-06-2022</a:t>
             </a:fld>
             <a:endParaRPr lang="en-IN"/>
           </a:p>
@@ -1756,7 +1856,13 @@
       </p:sp>
       <p:sp>
         <p:nvSpPr>
-          <p:cNvPr id="5" name="Footer Placeholder 4"/>
+          <p:cNvPr id="5" name="Footer Placeholder 4">
+            <a:extLst>
+              <a:ext uri="{FF2B5EF4-FFF2-40B4-BE49-F238E27FC236}">
+                <a16:creationId xmlns:a16="http://schemas.microsoft.com/office/drawing/2014/main" id="{0AE18271-D0B9-43E1-BABD-634D3ABC77F5}"/>
+              </a:ext>
+            </a:extLst>
+          </p:cNvPr>
           <p:cNvSpPr>
             <a:spLocks noGrp="1"/>
           </p:cNvSpPr>
@@ -1775,7 +1881,13 @@
       </p:sp>
       <p:sp>
         <p:nvSpPr>
-          <p:cNvPr id="6" name="Slide Number Placeholder 5"/>
+          <p:cNvPr id="6" name="Slide Number Placeholder 5">
+            <a:extLst>
+              <a:ext uri="{FF2B5EF4-FFF2-40B4-BE49-F238E27FC236}">
+                <a16:creationId xmlns:a16="http://schemas.microsoft.com/office/drawing/2014/main" id="{760ECEBB-9CAE-45AA-A39E-DE3223F963F7}"/>
+              </a:ext>
+            </a:extLst>
+          </p:cNvPr>
           <p:cNvSpPr>
             <a:spLocks noGrp="1"/>
           </p:cNvSpPr>
@@ -1797,6 +1909,11 @@
         </p:txBody>
       </p:sp>
     </p:spTree>
+    <p:extLst>
+      <p:ext uri="{BB962C8B-B14F-4D97-AF65-F5344CB8AC3E}">
+        <p14:creationId xmlns:p14="http://schemas.microsoft.com/office/powerpoint/2010/main" val="295540017"/>
+      </p:ext>
+    </p:extLst>
   </p:cSld>
   <p:clrMapOvr>
     <a:masterClrMapping/>
@@ -1823,7 +1940,13 @@
       </p:grpSpPr>
       <p:sp>
         <p:nvSpPr>
-          <p:cNvPr id="2" name="Title 1"/>
+          <p:cNvPr id="2" name="Title 1">
+            <a:extLst>
+              <a:ext uri="{FF2B5EF4-FFF2-40B4-BE49-F238E27FC236}">
+                <a16:creationId xmlns:a16="http://schemas.microsoft.com/office/drawing/2014/main" id="{8214A231-A6A1-4ECF-A19C-924DFF38B6B1}"/>
+              </a:ext>
+            </a:extLst>
+          </p:cNvPr>
           <p:cNvSpPr>
             <a:spLocks noGrp="1"/>
           </p:cNvSpPr>
@@ -1840,12 +1963,19 @@
               <a:rPr lang="en-US"/>
               <a:t>Click to edit Master title style</a:t>
             </a:r>
-          </a:p>
-        </p:txBody>
-      </p:sp>
-      <p:sp>
-        <p:nvSpPr>
-          <p:cNvPr id="3" name="Content Placeholder 2"/>
+            <a:endParaRPr lang="en-IN"/>
+          </a:p>
+        </p:txBody>
+      </p:sp>
+      <p:sp>
+        <p:nvSpPr>
+          <p:cNvPr id="3" name="Content Placeholder 2">
+            <a:extLst>
+              <a:ext uri="{FF2B5EF4-FFF2-40B4-BE49-F238E27FC236}">
+                <a16:creationId xmlns:a16="http://schemas.microsoft.com/office/drawing/2014/main" id="{F3057C20-266F-4F3C-B1AB-5E8694402930}"/>
+              </a:ext>
+            </a:extLst>
+          </p:cNvPr>
           <p:cNvSpPr>
             <a:spLocks noGrp="1"/>
           </p:cNvSpPr>
@@ -1855,41 +1985,13 @@
         </p:nvSpPr>
         <p:spPr>
           <a:xfrm>
-            <a:off x="457200" y="1536192"/>
-            <a:ext cx="3657600" cy="4590288"/>
+            <a:off x="628650" y="1825625"/>
+            <a:ext cx="3886200" cy="4351338"/>
           </a:xfrm>
         </p:spPr>
         <p:txBody>
           <a:bodyPr/>
-          <a:lstStyle>
-            <a:lvl1pPr>
-              <a:defRPr sz="2800"/>
-            </a:lvl1pPr>
-            <a:lvl2pPr>
-              <a:defRPr sz="2400"/>
-            </a:lvl2pPr>
-            <a:lvl3pPr>
-              <a:defRPr sz="2000"/>
-            </a:lvl3pPr>
-            <a:lvl4pPr>
-              <a:defRPr sz="1800"/>
-            </a:lvl4pPr>
-            <a:lvl5pPr>
-              <a:defRPr sz="1800"/>
-            </a:lvl5pPr>
-            <a:lvl6pPr>
-              <a:defRPr sz="1800"/>
-            </a:lvl6pPr>
-            <a:lvl7pPr>
-              <a:defRPr sz="1800"/>
-            </a:lvl7pPr>
-            <a:lvl8pPr>
-              <a:defRPr sz="1800"/>
-            </a:lvl8pPr>
-            <a:lvl9pPr>
-              <a:defRPr sz="1800"/>
-            </a:lvl9pPr>
-          </a:lstStyle>
+          <a:lstStyle/>
           <a:p>
             <a:pPr lvl="0"/>
             <a:r>
@@ -1924,13 +2026,19 @@
               <a:rPr lang="en-US"/>
               <a:t>Fifth level</a:t>
             </a:r>
-            <a:endParaRPr lang="en-US" dirty="0"/>
-          </a:p>
-        </p:txBody>
-      </p:sp>
-      <p:sp>
-        <p:nvSpPr>
-          <p:cNvPr id="4" name="Content Placeholder 3"/>
+            <a:endParaRPr lang="en-IN"/>
+          </a:p>
+        </p:txBody>
+      </p:sp>
+      <p:sp>
+        <p:nvSpPr>
+          <p:cNvPr id="4" name="Content Placeholder 3">
+            <a:extLst>
+              <a:ext uri="{FF2B5EF4-FFF2-40B4-BE49-F238E27FC236}">
+                <a16:creationId xmlns:a16="http://schemas.microsoft.com/office/drawing/2014/main" id="{F52CC511-BAD4-4BB3-9854-71CF2104C74C}"/>
+              </a:ext>
+            </a:extLst>
+          </p:cNvPr>
           <p:cNvSpPr>
             <a:spLocks noGrp="1"/>
           </p:cNvSpPr>
@@ -1940,41 +2048,13 @@
         </p:nvSpPr>
         <p:spPr>
           <a:xfrm>
-            <a:off x="4419600" y="1536192"/>
-            <a:ext cx="3657600" cy="4590288"/>
+            <a:off x="4629150" y="1825625"/>
+            <a:ext cx="3886200" cy="4351338"/>
           </a:xfrm>
         </p:spPr>
         <p:txBody>
           <a:bodyPr/>
-          <a:lstStyle>
-            <a:lvl1pPr>
-              <a:defRPr sz="2800"/>
-            </a:lvl1pPr>
-            <a:lvl2pPr>
-              <a:defRPr sz="2400"/>
-            </a:lvl2pPr>
-            <a:lvl3pPr>
-              <a:defRPr sz="2000"/>
-            </a:lvl3pPr>
-            <a:lvl4pPr>
-              <a:defRPr sz="1800"/>
-            </a:lvl4pPr>
-            <a:lvl5pPr>
-              <a:defRPr sz="1800"/>
-            </a:lvl5pPr>
-            <a:lvl6pPr>
-              <a:defRPr sz="1800"/>
-            </a:lvl6pPr>
-            <a:lvl7pPr>
-              <a:defRPr sz="1800"/>
-            </a:lvl7pPr>
-            <a:lvl8pPr>
-              <a:defRPr sz="1800"/>
-            </a:lvl8pPr>
-            <a:lvl9pPr>
-              <a:defRPr sz="1800"/>
-            </a:lvl9pPr>
-          </a:lstStyle>
+          <a:lstStyle/>
           <a:p>
             <a:pPr lvl="0"/>
             <a:r>
@@ -2009,13 +2089,19 @@
               <a:rPr lang="en-US"/>
               <a:t>Fifth level</a:t>
             </a:r>
-            <a:endParaRPr lang="en-US" dirty="0"/>
-          </a:p>
-        </p:txBody>
-      </p:sp>
-      <p:sp>
-        <p:nvSpPr>
-          <p:cNvPr id="5" name="Date Placeholder 4"/>
+            <a:endParaRPr lang="en-IN"/>
+          </a:p>
+        </p:txBody>
+      </p:sp>
+      <p:sp>
+        <p:nvSpPr>
+          <p:cNvPr id="5" name="Date Placeholder 4">
+            <a:extLst>
+              <a:ext uri="{FF2B5EF4-FFF2-40B4-BE49-F238E27FC236}">
+                <a16:creationId xmlns:a16="http://schemas.microsoft.com/office/drawing/2014/main" id="{75465F04-3E9B-4542-8CF1-DE1C05368BE3}"/>
+              </a:ext>
+            </a:extLst>
+          </p:cNvPr>
           <p:cNvSpPr>
             <a:spLocks noGrp="1"/>
           </p:cNvSpPr>
@@ -2030,7 +2116,7 @@
           <a:p>
             <a:fld id="{4B623FB3-6D89-433F-9B44-71608B1C306A}" type="datetimeFigureOut">
               <a:rPr lang="en-IN" smtClean="0"/>
-              <a:t>12-05-2022</a:t>
+              <a:t>08-06-2022</a:t>
             </a:fld>
             <a:endParaRPr lang="en-IN"/>
           </a:p>
@@ -2038,7 +2124,13 @@
       </p:sp>
       <p:sp>
         <p:nvSpPr>
-          <p:cNvPr id="6" name="Footer Placeholder 5"/>
+          <p:cNvPr id="6" name="Footer Placeholder 5">
+            <a:extLst>
+              <a:ext uri="{FF2B5EF4-FFF2-40B4-BE49-F238E27FC236}">
+                <a16:creationId xmlns:a16="http://schemas.microsoft.com/office/drawing/2014/main" id="{34058C15-E54F-4C4D-805F-6C9C6E17C682}"/>
+              </a:ext>
+            </a:extLst>
+          </p:cNvPr>
           <p:cNvSpPr>
             <a:spLocks noGrp="1"/>
           </p:cNvSpPr>
@@ -2057,7 +2149,13 @@
       </p:sp>
       <p:sp>
         <p:nvSpPr>
-          <p:cNvPr id="7" name="Slide Number Placeholder 6"/>
+          <p:cNvPr id="7" name="Slide Number Placeholder 6">
+            <a:extLst>
+              <a:ext uri="{FF2B5EF4-FFF2-40B4-BE49-F238E27FC236}">
+                <a16:creationId xmlns:a16="http://schemas.microsoft.com/office/drawing/2014/main" id="{C6635A9D-DE4F-4D15-904D-6ABA8B0DB305}"/>
+              </a:ext>
+            </a:extLst>
+          </p:cNvPr>
           <p:cNvSpPr>
             <a:spLocks noGrp="1"/>
           </p:cNvSpPr>
@@ -2079,6 +2177,11 @@
         </p:txBody>
       </p:sp>
     </p:spTree>
+    <p:extLst>
+      <p:ext uri="{BB962C8B-B14F-4D97-AF65-F5344CB8AC3E}">
+        <p14:creationId xmlns:p14="http://schemas.microsoft.com/office/powerpoint/2010/main" val="3337609727"/>
+      </p:ext>
+    </p:extLst>
   </p:cSld>
   <p:clrMapOvr>
     <a:masterClrMapping/>
@@ -2105,7 +2208,13 @@
       </p:grpSpPr>
       <p:sp>
         <p:nvSpPr>
-          <p:cNvPr id="2" name="Title 1"/>
+          <p:cNvPr id="2" name="Title 1">
+            <a:extLst>
+              <a:ext uri="{FF2B5EF4-FFF2-40B4-BE49-F238E27FC236}">
+                <a16:creationId xmlns:a16="http://schemas.microsoft.com/office/drawing/2014/main" id="{DDD2AB76-3315-4AE2-903D-9D3D0D77F2FA}"/>
+              </a:ext>
+            </a:extLst>
+          </p:cNvPr>
           <p:cNvSpPr>
             <a:spLocks noGrp="1"/>
           </p:cNvSpPr>
@@ -2113,25 +2222,33 @@
             <p:ph type="title"/>
           </p:nvPr>
         </p:nvSpPr>
-        <p:spPr/>
+        <p:spPr>
+          <a:xfrm>
+            <a:off x="629841" y="365126"/>
+            <a:ext cx="7886700" cy="1325563"/>
+          </a:xfrm>
+        </p:spPr>
         <p:txBody>
           <a:bodyPr/>
-          <a:lstStyle>
-            <a:lvl1pPr>
-              <a:defRPr/>
-            </a:lvl1pPr>
-          </a:lstStyle>
+          <a:lstStyle/>
           <a:p>
             <a:r>
               <a:rPr lang="en-US"/>
               <a:t>Click to edit Master title style</a:t>
             </a:r>
-          </a:p>
-        </p:txBody>
-      </p:sp>
-      <p:sp>
-        <p:nvSpPr>
-          <p:cNvPr id="3" name="Text Placeholder 2"/>
+            <a:endParaRPr lang="en-IN"/>
+          </a:p>
+        </p:txBody>
+      </p:sp>
+      <p:sp>
+        <p:nvSpPr>
+          <p:cNvPr id="3" name="Text Placeholder 2">
+            <a:extLst>
+              <a:ext uri="{FF2B5EF4-FFF2-40B4-BE49-F238E27FC236}">
+                <a16:creationId xmlns:a16="http://schemas.microsoft.com/office/drawing/2014/main" id="{3BBB8DA2-ED74-4F70-8CE7-DACFDA11F68B}"/>
+              </a:ext>
+            </a:extLst>
+          </p:cNvPr>
           <p:cNvSpPr>
             <a:spLocks noGrp="1"/>
           </p:cNvSpPr>
@@ -2141,54 +2258,48 @@
         </p:nvSpPr>
         <p:spPr>
           <a:xfrm>
-            <a:off x="457200" y="1535113"/>
-            <a:ext cx="3657600" cy="639762"/>
+            <a:off x="629842" y="1681163"/>
+            <a:ext cx="3868340" cy="823912"/>
           </a:xfrm>
         </p:spPr>
         <p:txBody>
-          <a:bodyPr anchor="b">
-            <a:noAutofit/>
-          </a:bodyPr>
+          <a:bodyPr anchor="b"/>
           <a:lstStyle>
-            <a:lvl1pPr marL="0" indent="0" algn="ctr">
-              <a:buNone/>
-              <a:defRPr sz="2000" b="1">
-                <a:solidFill>
-                  <a:schemeClr val="tx2"/>
-                </a:solidFill>
-              </a:defRPr>
-            </a:lvl1pPr>
-            <a:lvl2pPr marL="457200" indent="0">
-              <a:buNone/>
-              <a:defRPr sz="2000" b="1"/>
-            </a:lvl2pPr>
-            <a:lvl3pPr marL="914400" indent="0">
+            <a:lvl1pPr marL="0" indent="0">
               <a:buNone/>
               <a:defRPr sz="1800" b="1"/>
+            </a:lvl1pPr>
+            <a:lvl2pPr marL="342900" indent="0">
+              <a:buNone/>
+              <a:defRPr sz="1500" b="1"/>
+            </a:lvl2pPr>
+            <a:lvl3pPr marL="685800" indent="0">
+              <a:buNone/>
+              <a:defRPr sz="1350" b="1"/>
             </a:lvl3pPr>
-            <a:lvl4pPr marL="1371600" indent="0">
+            <a:lvl4pPr marL="1028700" indent="0">
               <a:buNone/>
-              <a:defRPr sz="1600" b="1"/>
+              <a:defRPr sz="1200" b="1"/>
             </a:lvl4pPr>
-            <a:lvl5pPr marL="1828800" indent="0">
+            <a:lvl5pPr marL="1371600" indent="0">
               <a:buNone/>
-              <a:defRPr sz="1600" b="1"/>
+              <a:defRPr sz="1200" b="1"/>
             </a:lvl5pPr>
-            <a:lvl6pPr marL="2286000" indent="0">
+            <a:lvl6pPr marL="1714500" indent="0">
               <a:buNone/>
-              <a:defRPr sz="1600" b="1"/>
+              <a:defRPr sz="1200" b="1"/>
             </a:lvl6pPr>
-            <a:lvl7pPr marL="2743200" indent="0">
+            <a:lvl7pPr marL="2057400" indent="0">
               <a:buNone/>
-              <a:defRPr sz="1600" b="1"/>
+              <a:defRPr sz="1200" b="1"/>
             </a:lvl7pPr>
-            <a:lvl8pPr marL="3200400" indent="0">
+            <a:lvl8pPr marL="2400300" indent="0">
               <a:buNone/>
-              <a:defRPr sz="1600" b="1"/>
+              <a:defRPr sz="1200" b="1"/>
             </a:lvl8pPr>
-            <a:lvl9pPr marL="3657600" indent="0">
+            <a:lvl9pPr marL="2743200" indent="0">
               <a:buNone/>
-              <a:defRPr sz="1600" b="1"/>
+              <a:defRPr sz="1200" b="1"/>
             </a:lvl9pPr>
           </a:lstStyle>
           <a:p>
@@ -2202,7 +2313,13 @@
       </p:sp>
       <p:sp>
         <p:nvSpPr>
-          <p:cNvPr id="4" name="Content Placeholder 3"/>
+          <p:cNvPr id="4" name="Content Placeholder 3">
+            <a:extLst>
+              <a:ext uri="{FF2B5EF4-FFF2-40B4-BE49-F238E27FC236}">
+                <a16:creationId xmlns:a16="http://schemas.microsoft.com/office/drawing/2014/main" id="{E023F450-4035-4CF4-A06E-5C6C306949CB}"/>
+              </a:ext>
+            </a:extLst>
+          </p:cNvPr>
           <p:cNvSpPr>
             <a:spLocks noGrp="1"/>
           </p:cNvSpPr>
@@ -2212,39 +2329,111 @@
         </p:nvSpPr>
         <p:spPr>
           <a:xfrm>
-            <a:off x="457200" y="2174875"/>
-            <a:ext cx="3657600" cy="3951288"/>
+            <a:off x="629842" y="2505075"/>
+            <a:ext cx="3868340" cy="3684588"/>
           </a:xfrm>
         </p:spPr>
         <p:txBody>
           <a:bodyPr/>
+          <a:lstStyle/>
+          <a:p>
+            <a:pPr lvl="0"/>
+            <a:r>
+              <a:rPr lang="en-US"/>
+              <a:t>Click to edit Master text styles</a:t>
+            </a:r>
+          </a:p>
+          <a:p>
+            <a:pPr lvl="1"/>
+            <a:r>
+              <a:rPr lang="en-US"/>
+              <a:t>Second level</a:t>
+            </a:r>
+          </a:p>
+          <a:p>
+            <a:pPr lvl="2"/>
+            <a:r>
+              <a:rPr lang="en-US"/>
+              <a:t>Third level</a:t>
+            </a:r>
+          </a:p>
+          <a:p>
+            <a:pPr lvl="3"/>
+            <a:r>
+              <a:rPr lang="en-US"/>
+              <a:t>Fourth level</a:t>
+            </a:r>
+          </a:p>
+          <a:p>
+            <a:pPr lvl="4"/>
+            <a:r>
+              <a:rPr lang="en-US"/>
+              <a:t>Fifth level</a:t>
+            </a:r>
+            <a:endParaRPr lang="en-IN"/>
+          </a:p>
+        </p:txBody>
+      </p:sp>
+      <p:sp>
+        <p:nvSpPr>
+          <p:cNvPr id="5" name="Text Placeholder 4">
+            <a:extLst>
+              <a:ext uri="{FF2B5EF4-FFF2-40B4-BE49-F238E27FC236}">
+                <a16:creationId xmlns:a16="http://schemas.microsoft.com/office/drawing/2014/main" id="{C8C40BEB-ADEC-4C67-949B-45C2F9D7EC94}"/>
+              </a:ext>
+            </a:extLst>
+          </p:cNvPr>
+          <p:cNvSpPr>
+            <a:spLocks noGrp="1"/>
+          </p:cNvSpPr>
+          <p:nvPr>
+            <p:ph type="body" sz="quarter" idx="3"/>
+          </p:nvPr>
+        </p:nvSpPr>
+        <p:spPr>
+          <a:xfrm>
+            <a:off x="4629150" y="1681163"/>
+            <a:ext cx="3887391" cy="823912"/>
+          </a:xfrm>
+        </p:spPr>
+        <p:txBody>
+          <a:bodyPr anchor="b"/>
           <a:lstStyle>
-            <a:lvl1pPr>
-              <a:defRPr sz="2400"/>
+            <a:lvl1pPr marL="0" indent="0">
+              <a:buNone/>
+              <a:defRPr sz="1800" b="1"/>
             </a:lvl1pPr>
-            <a:lvl2pPr>
-              <a:defRPr sz="2000"/>
+            <a:lvl2pPr marL="342900" indent="0">
+              <a:buNone/>
+              <a:defRPr sz="1500" b="1"/>
             </a:lvl2pPr>
-            <a:lvl3pPr>
-              <a:defRPr sz="1800"/>
+            <a:lvl3pPr marL="685800" indent="0">
+              <a:buNone/>
+              <a:defRPr sz="1350" b="1"/>
             </a:lvl3pPr>
-            <a:lvl4pPr>
-              <a:defRPr sz="1600"/>
+            <a:lvl4pPr marL="1028700" indent="0">
+              <a:buNone/>
+              <a:defRPr sz="1200" b="1"/>
             </a:lvl4pPr>
-            <a:lvl5pPr>
-              <a:defRPr sz="1600"/>
+            <a:lvl5pPr marL="1371600" indent="0">
+              <a:buNone/>
+              <a:defRPr sz="1200" b="1"/>
             </a:lvl5pPr>
-            <a:lvl6pPr>
-              <a:defRPr sz="1600"/>
+            <a:lvl6pPr marL="1714500" indent="0">
+              <a:buNone/>
+              <a:defRPr sz="1200" b="1"/>
             </a:lvl6pPr>
-            <a:lvl7pPr>
-              <a:defRPr sz="1600"/>
+            <a:lvl7pPr marL="2057400" indent="0">
+              <a:buNone/>
+              <a:defRPr sz="1200" b="1"/>
             </a:lvl7pPr>
-            <a:lvl8pPr>
-              <a:defRPr sz="1600"/>
+            <a:lvl8pPr marL="2400300" indent="0">
+              <a:buNone/>
+              <a:defRPr sz="1200" b="1"/>
             </a:lvl8pPr>
-            <a:lvl9pPr>
-              <a:defRPr sz="1600"/>
+            <a:lvl9pPr marL="2743200" indent="0">
+              <a:buNone/>
+              <a:defRPr sz="1200" b="1"/>
             </a:lvl9pPr>
           </a:lstStyle>
           <a:p>
@@ -2254,6 +2443,40 @@
               <a:t>Click to edit Master text styles</a:t>
             </a:r>
           </a:p>
+        </p:txBody>
+      </p:sp>
+      <p:sp>
+        <p:nvSpPr>
+          <p:cNvPr id="6" name="Content Placeholder 5">
+            <a:extLst>
+              <a:ext uri="{FF2B5EF4-FFF2-40B4-BE49-F238E27FC236}">
+                <a16:creationId xmlns:a16="http://schemas.microsoft.com/office/drawing/2014/main" id="{CD645008-A3FE-4FC0-888E-AB42EAF6B292}"/>
+              </a:ext>
+            </a:extLst>
+          </p:cNvPr>
+          <p:cNvSpPr>
+            <a:spLocks noGrp="1"/>
+          </p:cNvSpPr>
+          <p:nvPr>
+            <p:ph sz="quarter" idx="4"/>
+          </p:nvPr>
+        </p:nvSpPr>
+        <p:spPr>
+          <a:xfrm>
+            <a:off x="4629150" y="2505075"/>
+            <a:ext cx="3887391" cy="3684588"/>
+          </a:xfrm>
+        </p:spPr>
+        <p:txBody>
+          <a:bodyPr/>
+          <a:lstStyle/>
+          <a:p>
+            <a:pPr lvl="0"/>
+            <a:r>
+              <a:rPr lang="en-US"/>
+              <a:t>Click to edit Master text styles</a:t>
+            </a:r>
+          </a:p>
           <a:p>
             <a:pPr lvl="1"/>
             <a:r>
@@ -2281,168 +2504,19 @@
               <a:rPr lang="en-US"/>
               <a:t>Fifth level</a:t>
             </a:r>
-            <a:endParaRPr lang="en-US" dirty="0"/>
-          </a:p>
-        </p:txBody>
-      </p:sp>
-      <p:sp>
-        <p:nvSpPr>
-          <p:cNvPr id="5" name="Text Placeholder 4"/>
-          <p:cNvSpPr>
-            <a:spLocks noGrp="1"/>
-          </p:cNvSpPr>
-          <p:nvPr>
-            <p:ph type="body" sz="quarter" idx="3"/>
-          </p:nvPr>
-        </p:nvSpPr>
-        <p:spPr>
-          <a:xfrm>
-            <a:off x="4419600" y="1535113"/>
-            <a:ext cx="3657600" cy="639762"/>
-          </a:xfrm>
-        </p:spPr>
-        <p:txBody>
-          <a:bodyPr anchor="b">
-            <a:noAutofit/>
-          </a:bodyPr>
-          <a:lstStyle>
-            <a:lvl1pPr marL="0" indent="0" algn="ctr">
-              <a:buNone/>
-              <a:defRPr sz="2000" b="1">
-                <a:solidFill>
-                  <a:schemeClr val="tx2"/>
-                </a:solidFill>
-              </a:defRPr>
-            </a:lvl1pPr>
-            <a:lvl2pPr marL="457200" indent="0">
-              <a:buNone/>
-              <a:defRPr sz="2000" b="1"/>
-            </a:lvl2pPr>
-            <a:lvl3pPr marL="914400" indent="0">
-              <a:buNone/>
-              <a:defRPr sz="1800" b="1"/>
-            </a:lvl3pPr>
-            <a:lvl4pPr marL="1371600" indent="0">
-              <a:buNone/>
-              <a:defRPr sz="1600" b="1"/>
-            </a:lvl4pPr>
-            <a:lvl5pPr marL="1828800" indent="0">
-              <a:buNone/>
-              <a:defRPr sz="1600" b="1"/>
-            </a:lvl5pPr>
-            <a:lvl6pPr marL="2286000" indent="0">
-              <a:buNone/>
-              <a:defRPr sz="1600" b="1"/>
-            </a:lvl6pPr>
-            <a:lvl7pPr marL="2743200" indent="0">
-              <a:buNone/>
-              <a:defRPr sz="1600" b="1"/>
-            </a:lvl7pPr>
-            <a:lvl8pPr marL="3200400" indent="0">
-              <a:buNone/>
-              <a:defRPr sz="1600" b="1"/>
-            </a:lvl8pPr>
-            <a:lvl9pPr marL="3657600" indent="0">
-              <a:buNone/>
-              <a:defRPr sz="1600" b="1"/>
-            </a:lvl9pPr>
-          </a:lstStyle>
-          <a:p>
-            <a:pPr lvl="0"/>
-            <a:r>
-              <a:rPr lang="en-US"/>
-              <a:t>Click to edit Master text styles</a:t>
-            </a:r>
-          </a:p>
-        </p:txBody>
-      </p:sp>
-      <p:sp>
-        <p:nvSpPr>
-          <p:cNvPr id="6" name="Content Placeholder 5"/>
-          <p:cNvSpPr>
-            <a:spLocks noGrp="1"/>
-          </p:cNvSpPr>
-          <p:nvPr>
-            <p:ph sz="quarter" idx="4"/>
-          </p:nvPr>
-        </p:nvSpPr>
-        <p:spPr>
-          <a:xfrm>
-            <a:off x="4419600" y="2174875"/>
-            <a:ext cx="3657600" cy="3951288"/>
-          </a:xfrm>
-        </p:spPr>
-        <p:txBody>
-          <a:bodyPr/>
-          <a:lstStyle>
-            <a:lvl1pPr>
-              <a:defRPr sz="2400"/>
-            </a:lvl1pPr>
-            <a:lvl2pPr>
-              <a:defRPr sz="2000"/>
-            </a:lvl2pPr>
-            <a:lvl3pPr>
-              <a:defRPr sz="1800"/>
-            </a:lvl3pPr>
-            <a:lvl4pPr>
-              <a:defRPr sz="1600"/>
-            </a:lvl4pPr>
-            <a:lvl5pPr>
-              <a:defRPr sz="1600"/>
-            </a:lvl5pPr>
-            <a:lvl6pPr>
-              <a:defRPr sz="1600"/>
-            </a:lvl6pPr>
-            <a:lvl7pPr>
-              <a:defRPr sz="1600"/>
-            </a:lvl7pPr>
-            <a:lvl8pPr>
-              <a:defRPr sz="1600"/>
-            </a:lvl8pPr>
-            <a:lvl9pPr>
-              <a:defRPr sz="1600"/>
-            </a:lvl9pPr>
-          </a:lstStyle>
-          <a:p>
-            <a:pPr lvl="0"/>
-            <a:r>
-              <a:rPr lang="en-US"/>
-              <a:t>Click to edit Master text styles</a:t>
-            </a:r>
-          </a:p>
-          <a:p>
-            <a:pPr lvl="1"/>
-            <a:r>
-              <a:rPr lang="en-US"/>
-              <a:t>Second level</a:t>
-            </a:r>
-          </a:p>
-          <a:p>
-            <a:pPr lvl="2"/>
-            <a:r>
-              <a:rPr lang="en-US"/>
-              <a:t>Third level</a:t>
-            </a:r>
-          </a:p>
-          <a:p>
-            <a:pPr lvl="3"/>
-            <a:r>
-              <a:rPr lang="en-US"/>
-              <a:t>Fourth level</a:t>
-            </a:r>
-          </a:p>
-          <a:p>
-            <a:pPr lvl="4"/>
-            <a:r>
-              <a:rPr lang="en-US"/>
-              <a:t>Fifth level</a:t>
-            </a:r>
-          </a:p>
-        </p:txBody>
-      </p:sp>
-      <p:sp>
-        <p:nvSpPr>
-          <p:cNvPr id="7" name="Date Placeholder 6"/>
+            <a:endParaRPr lang="en-IN"/>
+          </a:p>
+        </p:txBody>
+      </p:sp>
+      <p:sp>
+        <p:nvSpPr>
+          <p:cNvPr id="7" name="Date Placeholder 6">
+            <a:extLst>
+              <a:ext uri="{FF2B5EF4-FFF2-40B4-BE49-F238E27FC236}">
+                <a16:creationId xmlns:a16="http://schemas.microsoft.com/office/drawing/2014/main" id="{700E98F4-BF4E-4CC8-9B3C-1A681FE3F2BE}"/>
+              </a:ext>
+            </a:extLst>
+          </p:cNvPr>
           <p:cNvSpPr>
             <a:spLocks noGrp="1"/>
           </p:cNvSpPr>
@@ -2457,7 +2531,7 @@
           <a:p>
             <a:fld id="{4B623FB3-6D89-433F-9B44-71608B1C306A}" type="datetimeFigureOut">
               <a:rPr lang="en-IN" smtClean="0"/>
-              <a:t>12-05-2022</a:t>
+              <a:t>08-06-2022</a:t>
             </a:fld>
             <a:endParaRPr lang="en-IN"/>
           </a:p>
@@ -2465,7 +2539,13 @@
       </p:sp>
       <p:sp>
         <p:nvSpPr>
-          <p:cNvPr id="8" name="Footer Placeholder 7"/>
+          <p:cNvPr id="8" name="Footer Placeholder 7">
+            <a:extLst>
+              <a:ext uri="{FF2B5EF4-FFF2-40B4-BE49-F238E27FC236}">
+                <a16:creationId xmlns:a16="http://schemas.microsoft.com/office/drawing/2014/main" id="{C6CF128B-391A-4B4F-AF3A-604B74BC41E8}"/>
+              </a:ext>
+            </a:extLst>
+          </p:cNvPr>
           <p:cNvSpPr>
             <a:spLocks noGrp="1"/>
           </p:cNvSpPr>
@@ -2484,7 +2564,13 @@
       </p:sp>
       <p:sp>
         <p:nvSpPr>
-          <p:cNvPr id="9" name="Slide Number Placeholder 8"/>
+          <p:cNvPr id="9" name="Slide Number Placeholder 8">
+            <a:extLst>
+              <a:ext uri="{FF2B5EF4-FFF2-40B4-BE49-F238E27FC236}">
+                <a16:creationId xmlns:a16="http://schemas.microsoft.com/office/drawing/2014/main" id="{F9B3DDED-D03E-472D-9D3B-EC2B5C98ABC0}"/>
+              </a:ext>
+            </a:extLst>
+          </p:cNvPr>
           <p:cNvSpPr>
             <a:spLocks noGrp="1"/>
           </p:cNvSpPr>
@@ -2506,6 +2592,11 @@
         </p:txBody>
       </p:sp>
     </p:spTree>
+    <p:extLst>
+      <p:ext uri="{BB962C8B-B14F-4D97-AF65-F5344CB8AC3E}">
+        <p14:creationId xmlns:p14="http://schemas.microsoft.com/office/powerpoint/2010/main" val="889888611"/>
+      </p:ext>
+    </p:extLst>
   </p:cSld>
   <p:clrMapOvr>
     <a:masterClrMapping/>
@@ -2532,7 +2623,13 @@
       </p:grpSpPr>
       <p:sp>
         <p:nvSpPr>
-          <p:cNvPr id="2" name="Title 1"/>
+          <p:cNvPr id="2" name="Title 1">
+            <a:extLst>
+              <a:ext uri="{FF2B5EF4-FFF2-40B4-BE49-F238E27FC236}">
+                <a16:creationId xmlns:a16="http://schemas.microsoft.com/office/drawing/2014/main" id="{32B031D1-4C64-488D-9070-5F56F9AE9B6B}"/>
+              </a:ext>
+            </a:extLst>
+          </p:cNvPr>
           <p:cNvSpPr>
             <a:spLocks noGrp="1"/>
           </p:cNvSpPr>
@@ -2549,12 +2646,19 @@
               <a:rPr lang="en-US"/>
               <a:t>Click to edit Master title style</a:t>
             </a:r>
-          </a:p>
-        </p:txBody>
-      </p:sp>
-      <p:sp>
-        <p:nvSpPr>
-          <p:cNvPr id="3" name="Date Placeholder 2"/>
+            <a:endParaRPr lang="en-IN"/>
+          </a:p>
+        </p:txBody>
+      </p:sp>
+      <p:sp>
+        <p:nvSpPr>
+          <p:cNvPr id="3" name="Date Placeholder 2">
+            <a:extLst>
+              <a:ext uri="{FF2B5EF4-FFF2-40B4-BE49-F238E27FC236}">
+                <a16:creationId xmlns:a16="http://schemas.microsoft.com/office/drawing/2014/main" id="{2E0D648B-6136-4C93-ADAF-5B38DDAE0FD8}"/>
+              </a:ext>
+            </a:extLst>
+          </p:cNvPr>
           <p:cNvSpPr>
             <a:spLocks noGrp="1"/>
           </p:cNvSpPr>
@@ -2569,7 +2673,7 @@
           <a:p>
             <a:fld id="{4B623FB3-6D89-433F-9B44-71608B1C306A}" type="datetimeFigureOut">
               <a:rPr lang="en-IN" smtClean="0"/>
-              <a:t>12-05-2022</a:t>
+              <a:t>08-06-2022</a:t>
             </a:fld>
             <a:endParaRPr lang="en-IN"/>
           </a:p>
@@ -2577,7 +2681,13 @@
       </p:sp>
       <p:sp>
         <p:nvSpPr>
-          <p:cNvPr id="4" name="Footer Placeholder 3"/>
+          <p:cNvPr id="4" name="Footer Placeholder 3">
+            <a:extLst>
+              <a:ext uri="{FF2B5EF4-FFF2-40B4-BE49-F238E27FC236}">
+                <a16:creationId xmlns:a16="http://schemas.microsoft.com/office/drawing/2014/main" id="{976D68D1-0540-4A6B-B629-08AD05E22529}"/>
+              </a:ext>
+            </a:extLst>
+          </p:cNvPr>
           <p:cNvSpPr>
             <a:spLocks noGrp="1"/>
           </p:cNvSpPr>
@@ -2596,7 +2706,13 @@
       </p:sp>
       <p:sp>
         <p:nvSpPr>
-          <p:cNvPr id="5" name="Slide Number Placeholder 4"/>
+          <p:cNvPr id="5" name="Slide Number Placeholder 4">
+            <a:extLst>
+              <a:ext uri="{FF2B5EF4-FFF2-40B4-BE49-F238E27FC236}">
+                <a16:creationId xmlns:a16="http://schemas.microsoft.com/office/drawing/2014/main" id="{E63E26AF-5F3C-4851-94D2-2F9274DA2E1A}"/>
+              </a:ext>
+            </a:extLst>
+          </p:cNvPr>
           <p:cNvSpPr>
             <a:spLocks noGrp="1"/>
           </p:cNvSpPr>
@@ -2618,6 +2734,11 @@
         </p:txBody>
       </p:sp>
     </p:spTree>
+    <p:extLst>
+      <p:ext uri="{BB962C8B-B14F-4D97-AF65-F5344CB8AC3E}">
+        <p14:creationId xmlns:p14="http://schemas.microsoft.com/office/powerpoint/2010/main" val="1085748242"/>
+      </p:ext>
+    </p:extLst>
   </p:cSld>
   <p:clrMapOvr>
     <a:masterClrMapping/>
@@ -2644,7 +2765,13 @@
       </p:grpSpPr>
       <p:sp>
         <p:nvSpPr>
-          <p:cNvPr id="2" name="Date Placeholder 1"/>
+          <p:cNvPr id="2" name="Date Placeholder 1">
+            <a:extLst>
+              <a:ext uri="{FF2B5EF4-FFF2-40B4-BE49-F238E27FC236}">
+                <a16:creationId xmlns:a16="http://schemas.microsoft.com/office/drawing/2014/main" id="{220AF6D5-73DE-4AF8-B706-964D9ACFB95E}"/>
+              </a:ext>
+            </a:extLst>
+          </p:cNvPr>
           <p:cNvSpPr>
             <a:spLocks noGrp="1"/>
           </p:cNvSpPr>
@@ -2659,7 +2786,7 @@
           <a:p>
             <a:fld id="{4B623FB3-6D89-433F-9B44-71608B1C306A}" type="datetimeFigureOut">
               <a:rPr lang="en-IN" smtClean="0"/>
-              <a:t>12-05-2022</a:t>
+              <a:t>08-06-2022</a:t>
             </a:fld>
             <a:endParaRPr lang="en-IN"/>
           </a:p>
@@ -2667,7 +2794,13 @@
       </p:sp>
       <p:sp>
         <p:nvSpPr>
-          <p:cNvPr id="3" name="Footer Placeholder 2"/>
+          <p:cNvPr id="3" name="Footer Placeholder 2">
+            <a:extLst>
+              <a:ext uri="{FF2B5EF4-FFF2-40B4-BE49-F238E27FC236}">
+                <a16:creationId xmlns:a16="http://schemas.microsoft.com/office/drawing/2014/main" id="{0BC524A2-F78A-4F59-8A4E-5A982B792833}"/>
+              </a:ext>
+            </a:extLst>
+          </p:cNvPr>
           <p:cNvSpPr>
             <a:spLocks noGrp="1"/>
           </p:cNvSpPr>
@@ -2686,7 +2819,13 @@
       </p:sp>
       <p:sp>
         <p:nvSpPr>
-          <p:cNvPr id="4" name="Slide Number Placeholder 3"/>
+          <p:cNvPr id="4" name="Slide Number Placeholder 3">
+            <a:extLst>
+              <a:ext uri="{FF2B5EF4-FFF2-40B4-BE49-F238E27FC236}">
+                <a16:creationId xmlns:a16="http://schemas.microsoft.com/office/drawing/2014/main" id="{DFFE7EF8-BEA3-4A4E-93B0-49015CDB3838}"/>
+              </a:ext>
+            </a:extLst>
+          </p:cNvPr>
           <p:cNvSpPr>
             <a:spLocks noGrp="1"/>
           </p:cNvSpPr>
@@ -2708,6 +2847,11 @@
         </p:txBody>
       </p:sp>
     </p:spTree>
+    <p:extLst>
+      <p:ext uri="{BB962C8B-B14F-4D97-AF65-F5344CB8AC3E}">
+        <p14:creationId xmlns:p14="http://schemas.microsoft.com/office/powerpoint/2010/main" val="2711609926"/>
+      </p:ext>
+    </p:extLst>
   </p:cSld>
   <p:clrMapOvr>
     <a:masterClrMapping/>
@@ -2734,7 +2878,13 @@
       </p:grpSpPr>
       <p:sp>
         <p:nvSpPr>
-          <p:cNvPr id="2" name="Title 1"/>
+          <p:cNvPr id="2" name="Title 1">
+            <a:extLst>
+              <a:ext uri="{FF2B5EF4-FFF2-40B4-BE49-F238E27FC236}">
+                <a16:creationId xmlns:a16="http://schemas.microsoft.com/office/drawing/2014/main" id="{C1BAFF2B-33E4-44A9-B0B2-48495629600B}"/>
+              </a:ext>
+            </a:extLst>
+          </p:cNvPr>
           <p:cNvSpPr>
             <a:spLocks noGrp="1"/>
           </p:cNvSpPr>
@@ -2744,15 +2894,15 @@
         </p:nvSpPr>
         <p:spPr>
           <a:xfrm>
-            <a:off x="304801" y="5495544"/>
-            <a:ext cx="7772400" cy="594360"/>
+            <a:off x="629841" y="457200"/>
+            <a:ext cx="2949178" cy="1600200"/>
           </a:xfrm>
         </p:spPr>
         <p:txBody>
           <a:bodyPr anchor="b"/>
           <a:lstStyle>
-            <a:lvl1pPr algn="ctr">
-              <a:defRPr sz="2200" b="1"/>
+            <a:lvl1pPr>
+              <a:defRPr sz="2400"/>
             </a:lvl1pPr>
           </a:lstStyle>
           <a:p>
@@ -2760,66 +2910,161 @@
               <a:rPr lang="en-US"/>
               <a:t>Click to edit Master title style</a:t>
             </a:r>
-            <a:endParaRPr lang="en-US" dirty="0"/>
-          </a:p>
-        </p:txBody>
-      </p:sp>
-      <p:sp>
-        <p:nvSpPr>
-          <p:cNvPr id="4" name="Text Placeholder 3"/>
+            <a:endParaRPr lang="en-IN"/>
+          </a:p>
+        </p:txBody>
+      </p:sp>
+      <p:sp>
+        <p:nvSpPr>
+          <p:cNvPr id="3" name="Content Placeholder 2">
+            <a:extLst>
+              <a:ext uri="{FF2B5EF4-FFF2-40B4-BE49-F238E27FC236}">
+                <a16:creationId xmlns:a16="http://schemas.microsoft.com/office/drawing/2014/main" id="{ACA435E3-F929-4719-8CCA-B49A29BB142B}"/>
+              </a:ext>
+            </a:extLst>
+          </p:cNvPr>
           <p:cNvSpPr>
             <a:spLocks noGrp="1"/>
           </p:cNvSpPr>
           <p:nvPr>
-            <p:ph type="body" sz="half" idx="2"/>
+            <p:ph idx="1"/>
           </p:nvPr>
         </p:nvSpPr>
         <p:spPr>
           <a:xfrm>
-            <a:off x="304799" y="6096000"/>
-            <a:ext cx="7772401" cy="609600"/>
+            <a:off x="3887391" y="987426"/>
+            <a:ext cx="4629150" cy="4873625"/>
           </a:xfrm>
         </p:spPr>
         <p:txBody>
-          <a:bodyPr>
-            <a:normAutofit/>
-          </a:bodyPr>
+          <a:bodyPr/>
           <a:lstStyle>
-            <a:lvl1pPr marL="0" indent="0" algn="ctr">
-              <a:buNone/>
-              <a:defRPr sz="1600"/>
+            <a:lvl1pPr>
+              <a:defRPr sz="2400"/>
             </a:lvl1pPr>
-            <a:lvl2pPr marL="457200" indent="0">
+            <a:lvl2pPr>
+              <a:defRPr sz="2100"/>
+            </a:lvl2pPr>
+            <a:lvl3pPr>
+              <a:defRPr sz="1800"/>
+            </a:lvl3pPr>
+            <a:lvl4pPr>
+              <a:defRPr sz="1500"/>
+            </a:lvl4pPr>
+            <a:lvl5pPr>
+              <a:defRPr sz="1500"/>
+            </a:lvl5pPr>
+            <a:lvl6pPr>
+              <a:defRPr sz="1500"/>
+            </a:lvl6pPr>
+            <a:lvl7pPr>
+              <a:defRPr sz="1500"/>
+            </a:lvl7pPr>
+            <a:lvl8pPr>
+              <a:defRPr sz="1500"/>
+            </a:lvl8pPr>
+            <a:lvl9pPr>
+              <a:defRPr sz="1500"/>
+            </a:lvl9pPr>
+          </a:lstStyle>
+          <a:p>
+            <a:pPr lvl="0"/>
+            <a:r>
+              <a:rPr lang="en-US"/>
+              <a:t>Click to edit Master text styles</a:t>
+            </a:r>
+          </a:p>
+          <a:p>
+            <a:pPr lvl="1"/>
+            <a:r>
+              <a:rPr lang="en-US"/>
+              <a:t>Second level</a:t>
+            </a:r>
+          </a:p>
+          <a:p>
+            <a:pPr lvl="2"/>
+            <a:r>
+              <a:rPr lang="en-US"/>
+              <a:t>Third level</a:t>
+            </a:r>
+          </a:p>
+          <a:p>
+            <a:pPr lvl="3"/>
+            <a:r>
+              <a:rPr lang="en-US"/>
+              <a:t>Fourth level</a:t>
+            </a:r>
+          </a:p>
+          <a:p>
+            <a:pPr lvl="4"/>
+            <a:r>
+              <a:rPr lang="en-US"/>
+              <a:t>Fifth level</a:t>
+            </a:r>
+            <a:endParaRPr lang="en-IN"/>
+          </a:p>
+        </p:txBody>
+      </p:sp>
+      <p:sp>
+        <p:nvSpPr>
+          <p:cNvPr id="4" name="Text Placeholder 3">
+            <a:extLst>
+              <a:ext uri="{FF2B5EF4-FFF2-40B4-BE49-F238E27FC236}">
+                <a16:creationId xmlns:a16="http://schemas.microsoft.com/office/drawing/2014/main" id="{367A138C-978C-446B-A896-63BF07B7CA65}"/>
+              </a:ext>
+            </a:extLst>
+          </p:cNvPr>
+          <p:cNvSpPr>
+            <a:spLocks noGrp="1"/>
+          </p:cNvSpPr>
+          <p:nvPr>
+            <p:ph type="body" sz="half" idx="2"/>
+          </p:nvPr>
+        </p:nvSpPr>
+        <p:spPr>
+          <a:xfrm>
+            <a:off x="629841" y="2057400"/>
+            <a:ext cx="2949178" cy="3811588"/>
+          </a:xfrm>
+        </p:spPr>
+        <p:txBody>
+          <a:bodyPr/>
+          <a:lstStyle>
+            <a:lvl1pPr marL="0" indent="0">
               <a:buNone/>
               <a:defRPr sz="1200"/>
+            </a:lvl1pPr>
+            <a:lvl2pPr marL="342900" indent="0">
+              <a:buNone/>
+              <a:defRPr sz="1050"/>
             </a:lvl2pPr>
-            <a:lvl3pPr marL="914400" indent="0">
-              <a:buNone/>
-              <a:defRPr sz="1000"/>
-            </a:lvl3pPr>
-            <a:lvl4pPr marL="1371600" indent="0">
+            <a:lvl3pPr marL="685800" indent="0">
               <a:buNone/>
               <a:defRPr sz="900"/>
+            </a:lvl3pPr>
+            <a:lvl4pPr marL="1028700" indent="0">
+              <a:buNone/>
+              <a:defRPr sz="750"/>
             </a:lvl4pPr>
-            <a:lvl5pPr marL="1828800" indent="0">
+            <a:lvl5pPr marL="1371600" indent="0">
               <a:buNone/>
-              <a:defRPr sz="900"/>
+              <a:defRPr sz="750"/>
             </a:lvl5pPr>
-            <a:lvl6pPr marL="2286000" indent="0">
+            <a:lvl6pPr marL="1714500" indent="0">
               <a:buNone/>
-              <a:defRPr sz="900"/>
+              <a:defRPr sz="750"/>
             </a:lvl6pPr>
-            <a:lvl7pPr marL="2743200" indent="0">
+            <a:lvl7pPr marL="2057400" indent="0">
               <a:buNone/>
-              <a:defRPr sz="900"/>
+              <a:defRPr sz="750"/>
             </a:lvl7pPr>
-            <a:lvl8pPr marL="3200400" indent="0">
+            <a:lvl8pPr marL="2400300" indent="0">
               <a:buNone/>
-              <a:defRPr sz="900"/>
+              <a:defRPr sz="750"/>
             </a:lvl8pPr>
-            <a:lvl9pPr marL="3657600" indent="0">
+            <a:lvl9pPr marL="2743200" indent="0">
               <a:buNone/>
-              <a:defRPr sz="900"/>
+              <a:defRPr sz="750"/>
             </a:lvl9pPr>
           </a:lstStyle>
           <a:p>
@@ -2833,7 +3078,13 @@
       </p:sp>
       <p:sp>
         <p:nvSpPr>
-          <p:cNvPr id="5" name="Date Placeholder 4"/>
+          <p:cNvPr id="5" name="Date Placeholder 4">
+            <a:extLst>
+              <a:ext uri="{FF2B5EF4-FFF2-40B4-BE49-F238E27FC236}">
+                <a16:creationId xmlns:a16="http://schemas.microsoft.com/office/drawing/2014/main" id="{AC37CC52-A55B-4E99-879E-8199CC864C7B}"/>
+              </a:ext>
+            </a:extLst>
+          </p:cNvPr>
           <p:cNvSpPr>
             <a:spLocks noGrp="1"/>
           </p:cNvSpPr>
@@ -2848,7 +3099,7 @@
           <a:p>
             <a:fld id="{4B623FB3-6D89-433F-9B44-71608B1C306A}" type="datetimeFigureOut">
               <a:rPr lang="en-IN" smtClean="0"/>
-              <a:t>12-05-2022</a:t>
+              <a:t>08-06-2022</a:t>
             </a:fld>
             <a:endParaRPr lang="en-IN"/>
           </a:p>
@@ -2856,7 +3107,13 @@
       </p:sp>
       <p:sp>
         <p:nvSpPr>
-          <p:cNvPr id="6" name="Footer Placeholder 5"/>
+          <p:cNvPr id="6" name="Footer Placeholder 5">
+            <a:extLst>
+              <a:ext uri="{FF2B5EF4-FFF2-40B4-BE49-F238E27FC236}">
+                <a16:creationId xmlns:a16="http://schemas.microsoft.com/office/drawing/2014/main" id="{491A3C7A-40C4-4A6C-B6D5-17EE7350D963}"/>
+              </a:ext>
+            </a:extLst>
+          </p:cNvPr>
           <p:cNvSpPr>
             <a:spLocks noGrp="1"/>
           </p:cNvSpPr>
@@ -2875,7 +3132,13 @@
       </p:sp>
       <p:sp>
         <p:nvSpPr>
-          <p:cNvPr id="7" name="Slide Number Placeholder 6"/>
+          <p:cNvPr id="7" name="Slide Number Placeholder 6">
+            <a:extLst>
+              <a:ext uri="{FF2B5EF4-FFF2-40B4-BE49-F238E27FC236}">
+                <a16:creationId xmlns:a16="http://schemas.microsoft.com/office/drawing/2014/main" id="{6B0587B4-443F-41E7-ADE1-1C1B63134BF1}"/>
+              </a:ext>
+            </a:extLst>
+          </p:cNvPr>
           <p:cNvSpPr>
             <a:spLocks noGrp="1"/>
           </p:cNvSpPr>
@@ -2896,63 +3159,12 @@
           </a:p>
         </p:txBody>
       </p:sp>
-      <p:sp>
-        <p:nvSpPr>
-          <p:cNvPr id="9" name="Content Placeholder 8"/>
-          <p:cNvSpPr>
-            <a:spLocks noGrp="1"/>
-          </p:cNvSpPr>
-          <p:nvPr>
-            <p:ph sz="quarter" idx="13"/>
-          </p:nvPr>
-        </p:nvSpPr>
-        <p:spPr>
-          <a:xfrm>
-            <a:off x="304800" y="381000"/>
-            <a:ext cx="7772400" cy="4942840"/>
-          </a:xfrm>
-        </p:spPr>
-        <p:txBody>
-          <a:bodyPr/>
-          <a:lstStyle/>
-          <a:p>
-            <a:pPr lvl="0"/>
-            <a:r>
-              <a:rPr lang="en-US"/>
-              <a:t>Click to edit Master text styles</a:t>
-            </a:r>
-          </a:p>
-          <a:p>
-            <a:pPr lvl="1"/>
-            <a:r>
-              <a:rPr lang="en-US"/>
-              <a:t>Second level</a:t>
-            </a:r>
-          </a:p>
-          <a:p>
-            <a:pPr lvl="2"/>
-            <a:r>
-              <a:rPr lang="en-US"/>
-              <a:t>Third level</a:t>
-            </a:r>
-          </a:p>
-          <a:p>
-            <a:pPr lvl="3"/>
-            <a:r>
-              <a:rPr lang="en-US"/>
-              <a:t>Fourth level</a:t>
-            </a:r>
-          </a:p>
-          <a:p>
-            <a:pPr lvl="4"/>
-            <a:r>
-              <a:rPr lang="en-US"/>
-              <a:t>Fifth level</a:t>
-            </a:r>
-          </a:p>
-        </p:txBody>
-      </p:sp>
     </p:spTree>
+    <p:extLst>
+      <p:ext uri="{BB962C8B-B14F-4D97-AF65-F5344CB8AC3E}">
+        <p14:creationId xmlns:p14="http://schemas.microsoft.com/office/powerpoint/2010/main" val="1208799287"/>
+      </p:ext>
+    </p:extLst>
   </p:cSld>
   <p:clrMapOvr>
     <a:masterClrMapping/>
@@ -2979,7 +3191,13 @@
       </p:grpSpPr>
       <p:sp>
         <p:nvSpPr>
-          <p:cNvPr id="2" name="Title 1"/>
+          <p:cNvPr id="2" name="Title 1">
+            <a:extLst>
+              <a:ext uri="{FF2B5EF4-FFF2-40B4-BE49-F238E27FC236}">
+                <a16:creationId xmlns:a16="http://schemas.microsoft.com/office/drawing/2014/main" id="{F29B215B-D80F-4A3F-B32E-B96D989164DD}"/>
+              </a:ext>
+            </a:extLst>
+          </p:cNvPr>
           <p:cNvSpPr>
             <a:spLocks noGrp="1"/>
           </p:cNvSpPr>
@@ -2989,22 +3207,15 @@
         </p:nvSpPr>
         <p:spPr>
           <a:xfrm>
-            <a:off x="301752" y="5495278"/>
-            <a:ext cx="7772400" cy="594626"/>
+            <a:off x="629841" y="457200"/>
+            <a:ext cx="2949178" cy="1600200"/>
           </a:xfrm>
         </p:spPr>
         <p:txBody>
           <a:bodyPr anchor="b"/>
           <a:lstStyle>
-            <a:lvl1pPr algn="ctr">
-              <a:defRPr sz="2200" b="1">
-                <a:ln>
-                  <a:noFill/>
-                </a:ln>
-                <a:solidFill>
-                  <a:schemeClr val="tx2"/>
-                </a:solidFill>
-              </a:defRPr>
+            <a:lvl1pPr>
+              <a:defRPr sz="2400"/>
             </a:lvl1pPr>
           </a:lstStyle>
           <a:p>
@@ -3012,13 +3223,19 @@
               <a:rPr lang="en-US"/>
               <a:t>Click to edit Master title style</a:t>
             </a:r>
-            <a:endParaRPr lang="en-US" dirty="0"/>
-          </a:p>
-        </p:txBody>
-      </p:sp>
-      <p:sp>
-        <p:nvSpPr>
-          <p:cNvPr id="3" name="Picture Placeholder 2"/>
+            <a:endParaRPr lang="en-IN"/>
+          </a:p>
+        </p:txBody>
+      </p:sp>
+      <p:sp>
+        <p:nvSpPr>
+          <p:cNvPr id="3" name="Picture Placeholder 2">
+            <a:extLst>
+              <a:ext uri="{FF2B5EF4-FFF2-40B4-BE49-F238E27FC236}">
+                <a16:creationId xmlns:a16="http://schemas.microsoft.com/office/drawing/2014/main" id="{4E4077D3-56A4-4372-BBD4-76A54A9F09CF}"/>
+              </a:ext>
+            </a:extLst>
+          </p:cNvPr>
           <p:cNvSpPr>
             <a:spLocks noGrp="1"/>
           </p:cNvSpPr>
@@ -3028,8 +3245,8 @@
         </p:nvSpPr>
         <p:spPr>
           <a:xfrm>
-            <a:off x="0" y="0"/>
-            <a:ext cx="8458200" cy="5486400"/>
+            <a:off x="3887391" y="987426"/>
+            <a:ext cx="4629150" cy="4873625"/>
           </a:xfrm>
         </p:spPr>
         <p:txBody>
@@ -3037,53 +3254,55 @@
           <a:lstStyle>
             <a:lvl1pPr marL="0" indent="0">
               <a:buNone/>
-              <a:defRPr sz="3200"/>
+              <a:defRPr sz="2400"/>
             </a:lvl1pPr>
-            <a:lvl2pPr marL="457200" indent="0">
+            <a:lvl2pPr marL="342900" indent="0">
               <a:buNone/>
-              <a:defRPr sz="2800"/>
+              <a:defRPr sz="2100"/>
             </a:lvl2pPr>
-            <a:lvl3pPr marL="914400" indent="0">
+            <a:lvl3pPr marL="685800" indent="0">
               <a:buNone/>
-              <a:defRPr sz="2400"/>
+              <a:defRPr sz="1800"/>
             </a:lvl3pPr>
-            <a:lvl4pPr marL="1371600" indent="0">
+            <a:lvl4pPr marL="1028700" indent="0">
               <a:buNone/>
-              <a:defRPr sz="2000"/>
+              <a:defRPr sz="1500"/>
             </a:lvl4pPr>
-            <a:lvl5pPr marL="1828800" indent="0">
+            <a:lvl5pPr marL="1371600" indent="0">
               <a:buNone/>
-              <a:defRPr sz="2000"/>
+              <a:defRPr sz="1500"/>
             </a:lvl5pPr>
-            <a:lvl6pPr marL="2286000" indent="0">
+            <a:lvl6pPr marL="1714500" indent="0">
               <a:buNone/>
-              <a:defRPr sz="2000"/>
+              <a:defRPr sz="1500"/>
             </a:lvl6pPr>
-            <a:lvl7pPr marL="2743200" indent="0">
+            <a:lvl7pPr marL="2057400" indent="0">
               <a:buNone/>
-              <a:defRPr sz="2000"/>
+              <a:defRPr sz="1500"/>
             </a:lvl7pPr>
-            <a:lvl8pPr marL="3200400" indent="0">
+            <a:lvl8pPr marL="2400300" indent="0">
               <a:buNone/>
-              <a:defRPr sz="2000"/>
+              <a:defRPr sz="1500"/>
             </a:lvl8pPr>
-            <a:lvl9pPr marL="3657600" indent="0">
+            <a:lvl9pPr marL="2743200" indent="0">
               <a:buNone/>
-              <a:defRPr sz="2000"/>
+              <a:defRPr sz="1500"/>
             </a:lvl9pPr>
           </a:lstStyle>
           <a:p>
-            <a:r>
-              <a:rPr lang="en-US"/>
-              <a:t>Click icon to add picture</a:t>
-            </a:r>
-            <a:endParaRPr lang="en-US" dirty="0"/>
-          </a:p>
-        </p:txBody>
-      </p:sp>
-      <p:sp>
-        <p:nvSpPr>
-          <p:cNvPr id="4" name="Text Placeholder 3"/>
+            <a:endParaRPr lang="en-IN"/>
+          </a:p>
+        </p:txBody>
+      </p:sp>
+      <p:sp>
+        <p:nvSpPr>
+          <p:cNvPr id="4" name="Text Placeholder 3">
+            <a:extLst>
+              <a:ext uri="{FF2B5EF4-FFF2-40B4-BE49-F238E27FC236}">
+                <a16:creationId xmlns:a16="http://schemas.microsoft.com/office/drawing/2014/main" id="{6CBC3B21-3939-478D-8C72-F719A981C022}"/>
+              </a:ext>
+            </a:extLst>
+          </p:cNvPr>
           <p:cNvSpPr>
             <a:spLocks noGrp="1"/>
           </p:cNvSpPr>
@@ -3093,50 +3312,48 @@
         </p:nvSpPr>
         <p:spPr>
           <a:xfrm>
-            <a:off x="301752" y="6096000"/>
-            <a:ext cx="7772400" cy="612648"/>
+            <a:off x="629841" y="2057400"/>
+            <a:ext cx="2949178" cy="3811588"/>
           </a:xfrm>
         </p:spPr>
         <p:txBody>
-          <a:bodyPr>
-            <a:normAutofit/>
-          </a:bodyPr>
+          <a:bodyPr/>
           <a:lstStyle>
-            <a:lvl1pPr marL="0" indent="0" algn="ctr">
-              <a:buNone/>
-              <a:defRPr sz="1600"/>
-            </a:lvl1pPr>
-            <a:lvl2pPr marL="457200" indent="0">
+            <a:lvl1pPr marL="0" indent="0">
               <a:buNone/>
               <a:defRPr sz="1200"/>
+            </a:lvl1pPr>
+            <a:lvl2pPr marL="342900" indent="0">
+              <a:buNone/>
+              <a:defRPr sz="1050"/>
             </a:lvl2pPr>
-            <a:lvl3pPr marL="914400" indent="0">
-              <a:buNone/>
-              <a:defRPr sz="1000"/>
-            </a:lvl3pPr>
-            <a:lvl4pPr marL="1371600" indent="0">
+            <a:lvl3pPr marL="685800" indent="0">
               <a:buNone/>
               <a:defRPr sz="900"/>
+            </a:lvl3pPr>
+            <a:lvl4pPr marL="1028700" indent="0">
+              <a:buNone/>
+              <a:defRPr sz="750"/>
             </a:lvl4pPr>
-            <a:lvl5pPr marL="1828800" indent="0">
+            <a:lvl5pPr marL="1371600" indent="0">
               <a:buNone/>
-              <a:defRPr sz="900"/>
+              <a:defRPr sz="750"/>
             </a:lvl5pPr>
-            <a:lvl6pPr marL="2286000" indent="0">
+            <a:lvl6pPr marL="1714500" indent="0">
               <a:buNone/>
-              <a:defRPr sz="900"/>
+              <a:defRPr sz="750"/>
             </a:lvl6pPr>
-            <a:lvl7pPr marL="2743200" indent="0">
+            <a:lvl7pPr marL="2057400" indent="0">
               <a:buNone/>
-              <a:defRPr sz="900"/>
+              <a:defRPr sz="750"/>
             </a:lvl7pPr>
-            <a:lvl8pPr marL="3200400" indent="0">
+            <a:lvl8pPr marL="2400300" indent="0">
               <a:buNone/>
-              <a:defRPr sz="900"/>
+              <a:defRPr sz="750"/>
             </a:lvl8pPr>
-            <a:lvl9pPr marL="3657600" indent="0">
+            <a:lvl9pPr marL="2743200" indent="0">
               <a:buNone/>
-              <a:defRPr sz="900"/>
+              <a:defRPr sz="750"/>
             </a:lvl9pPr>
           </a:lstStyle>
           <a:p>
@@ -3150,7 +3367,13 @@
       </p:sp>
       <p:sp>
         <p:nvSpPr>
-          <p:cNvPr id="8" name="Date Placeholder 7"/>
+          <p:cNvPr id="5" name="Date Placeholder 4">
+            <a:extLst>
+              <a:ext uri="{FF2B5EF4-FFF2-40B4-BE49-F238E27FC236}">
+                <a16:creationId xmlns:a16="http://schemas.microsoft.com/office/drawing/2014/main" id="{AF691448-31DD-4AC9-92C4-488C1550E5A0}"/>
+              </a:ext>
+            </a:extLst>
+          </p:cNvPr>
           <p:cNvSpPr>
             <a:spLocks noGrp="1"/>
           </p:cNvSpPr>
@@ -3165,7 +3388,7 @@
           <a:p>
             <a:fld id="{4B623FB3-6D89-433F-9B44-71608B1C306A}" type="datetimeFigureOut">
               <a:rPr lang="en-IN" smtClean="0"/>
-              <a:t>12-05-2022</a:t>
+              <a:t>08-06-2022</a:t>
             </a:fld>
             <a:endParaRPr lang="en-IN"/>
           </a:p>
@@ -3173,12 +3396,43 @@
       </p:sp>
       <p:sp>
         <p:nvSpPr>
-          <p:cNvPr id="9" name="Slide Number Placeholder 8"/>
+          <p:cNvPr id="6" name="Footer Placeholder 5">
+            <a:extLst>
+              <a:ext uri="{FF2B5EF4-FFF2-40B4-BE49-F238E27FC236}">
+                <a16:creationId xmlns:a16="http://schemas.microsoft.com/office/drawing/2014/main" id="{C5BE8B72-E33E-417F-8F97-E6FA022D027C}"/>
+              </a:ext>
+            </a:extLst>
+          </p:cNvPr>
           <p:cNvSpPr>
             <a:spLocks noGrp="1"/>
           </p:cNvSpPr>
           <p:nvPr>
-            <p:ph type="sldNum" sz="quarter" idx="11"/>
+            <p:ph type="ftr" sz="quarter" idx="11"/>
+          </p:nvPr>
+        </p:nvSpPr>
+        <p:spPr/>
+        <p:txBody>
+          <a:bodyPr/>
+          <a:lstStyle/>
+          <a:p>
+            <a:endParaRPr lang="en-IN"/>
+          </a:p>
+        </p:txBody>
+      </p:sp>
+      <p:sp>
+        <p:nvSpPr>
+          <p:cNvPr id="7" name="Slide Number Placeholder 6">
+            <a:extLst>
+              <a:ext uri="{FF2B5EF4-FFF2-40B4-BE49-F238E27FC236}">
+                <a16:creationId xmlns:a16="http://schemas.microsoft.com/office/drawing/2014/main" id="{7C60D3ED-E5B3-4F81-AE8C-7E23616708BB}"/>
+              </a:ext>
+            </a:extLst>
+          </p:cNvPr>
+          <p:cNvSpPr>
+            <a:spLocks noGrp="1"/>
+          </p:cNvSpPr>
+          <p:nvPr>
+            <p:ph type="sldNum" sz="quarter" idx="12"/>
           </p:nvPr>
         </p:nvSpPr>
         <p:spPr/>
@@ -3194,26 +3448,12 @@
           </a:p>
         </p:txBody>
       </p:sp>
-      <p:sp>
-        <p:nvSpPr>
-          <p:cNvPr id="10" name="Footer Placeholder 9"/>
-          <p:cNvSpPr>
-            <a:spLocks noGrp="1"/>
-          </p:cNvSpPr>
-          <p:nvPr>
-            <p:ph type="ftr" sz="quarter" idx="12"/>
-          </p:nvPr>
-        </p:nvSpPr>
-        <p:spPr/>
-        <p:txBody>
-          <a:bodyPr/>
-          <a:lstStyle/>
-          <a:p>
-            <a:endParaRPr lang="en-IN"/>
-          </a:p>
-        </p:txBody>
-      </p:sp>
     </p:spTree>
+    <p:extLst>
+      <p:ext uri="{BB962C8B-B14F-4D97-AF65-F5344CB8AC3E}">
+        <p14:creationId xmlns:p14="http://schemas.microsoft.com/office/powerpoint/2010/main" val="241469094"/>
+      </p:ext>
+    </p:extLst>
   </p:cSld>
   <p:clrMapOvr>
     <a:masterClrMapping/>
@@ -3225,7 +3465,7 @@
 <p:sldMaster xmlns:a="http://schemas.openxmlformats.org/drawingml/2006/main" xmlns:r="http://schemas.openxmlformats.org/officeDocument/2006/relationships" xmlns:p="http://schemas.openxmlformats.org/presentationml/2006/main">
   <p:cSld>
     <p:bg>
-      <p:bgRef idx="1002">
+      <p:bgRef idx="1001">
         <a:schemeClr val="bg1"/>
       </p:bgRef>
     </p:bg>
@@ -3245,7 +3485,13 @@
       </p:grpSpPr>
       <p:sp>
         <p:nvSpPr>
-          <p:cNvPr id="2" name="Title Placeholder 1"/>
+          <p:cNvPr id="2" name="Title Placeholder 1">
+            <a:extLst>
+              <a:ext uri="{FF2B5EF4-FFF2-40B4-BE49-F238E27FC236}">
+                <a16:creationId xmlns:a16="http://schemas.microsoft.com/office/drawing/2014/main" id="{39341ECE-F1F9-434C-8ED7-B42F0E14CB2F}"/>
+              </a:ext>
+            </a:extLst>
+          </p:cNvPr>
           <p:cNvSpPr>
             <a:spLocks noGrp="1"/>
           </p:cNvSpPr>
@@ -3255,8 +3501,8 @@
         </p:nvSpPr>
         <p:spPr>
           <a:xfrm>
-            <a:off x="457200" y="274638"/>
-            <a:ext cx="7620000" cy="1143000"/>
+            <a:off x="628650" y="365126"/>
+            <a:ext cx="7886700" cy="1325563"/>
           </a:xfrm>
           <a:prstGeom prst="rect">
             <a:avLst/>
@@ -3264,7 +3510,7 @@
         </p:spPr>
         <p:txBody>
           <a:bodyPr vert="horz" lIns="91440" tIns="45720" rIns="91440" bIns="45720" rtlCol="0" anchor="ctr">
-            <a:noAutofit/>
+            <a:normAutofit/>
           </a:bodyPr>
           <a:lstStyle/>
           <a:p>
@@ -3272,13 +3518,19 @@
               <a:rPr lang="en-US"/>
               <a:t>Click to edit Master title style</a:t>
             </a:r>
-            <a:endParaRPr lang="en-US" dirty="0"/>
-          </a:p>
-        </p:txBody>
-      </p:sp>
-      <p:sp>
-        <p:nvSpPr>
-          <p:cNvPr id="3" name="Text Placeholder 2"/>
+            <a:endParaRPr lang="en-IN"/>
+          </a:p>
+        </p:txBody>
+      </p:sp>
+      <p:sp>
+        <p:nvSpPr>
+          <p:cNvPr id="3" name="Text Placeholder 2">
+            <a:extLst>
+              <a:ext uri="{FF2B5EF4-FFF2-40B4-BE49-F238E27FC236}">
+                <a16:creationId xmlns:a16="http://schemas.microsoft.com/office/drawing/2014/main" id="{6AEEC63D-3E5E-436B-AA6A-A089C491B5C6}"/>
+              </a:ext>
+            </a:extLst>
+          </p:cNvPr>
           <p:cNvSpPr>
             <a:spLocks noGrp="1"/>
           </p:cNvSpPr>
@@ -3288,8 +3540,8 @@
         </p:nvSpPr>
         <p:spPr>
           <a:xfrm>
-            <a:off x="457200" y="1600200"/>
-            <a:ext cx="7620000" cy="4800600"/>
+            <a:off x="628650" y="1825625"/>
+            <a:ext cx="7886700" cy="4351338"/>
           </a:xfrm>
           <a:prstGeom prst="rect">
             <a:avLst/>
@@ -3334,105 +3586,109 @@
               <a:rPr lang="en-US"/>
               <a:t>Fifth level</a:t>
             </a:r>
-            <a:endParaRPr lang="en-US" dirty="0"/>
-          </a:p>
-        </p:txBody>
-      </p:sp>
-      <p:sp>
-        <p:nvSpPr>
-          <p:cNvPr id="7" name="Rectangle 6"/>
-          <p:cNvSpPr/>
-          <p:nvPr/>
+            <a:endParaRPr lang="en-IN"/>
+          </a:p>
+        </p:txBody>
+      </p:sp>
+      <p:sp>
+        <p:nvSpPr>
+          <p:cNvPr id="4" name="Date Placeholder 3">
+            <a:extLst>
+              <a:ext uri="{FF2B5EF4-FFF2-40B4-BE49-F238E27FC236}">
+                <a16:creationId xmlns:a16="http://schemas.microsoft.com/office/drawing/2014/main" id="{F0E1D91D-2594-4EA0-BF14-71FF2DCEBDCC}"/>
+              </a:ext>
+            </a:extLst>
+          </p:cNvPr>
+          <p:cNvSpPr>
+            <a:spLocks noGrp="1"/>
+          </p:cNvSpPr>
+          <p:nvPr>
+            <p:ph type="dt" sz="half" idx="2"/>
+          </p:nvPr>
         </p:nvSpPr>
         <p:spPr>
           <a:xfrm>
-            <a:off x="8458200" y="0"/>
-            <a:ext cx="685800" cy="6858000"/>
+            <a:off x="628650" y="6356351"/>
+            <a:ext cx="2057400" cy="365125"/>
           </a:xfrm>
           <a:prstGeom prst="rect">
             <a:avLst/>
           </a:prstGeom>
-          <a:solidFill>
-            <a:schemeClr val="tx2"/>
-          </a:solidFill>
-          <a:ln>
-            <a:noFill/>
-          </a:ln>
         </p:spPr>
-        <p:style>
-          <a:lnRef idx="2">
-            <a:schemeClr val="accent1">
-              <a:shade val="50000"/>
-            </a:schemeClr>
-          </a:lnRef>
-          <a:fillRef idx="1">
-            <a:schemeClr val="accent1"/>
-          </a:fillRef>
-          <a:effectRef idx="0">
-            <a:schemeClr val="accent1"/>
-          </a:effectRef>
-          <a:fontRef idx="minor">
-            <a:schemeClr val="lt1"/>
-          </a:fontRef>
-        </p:style>
-        <p:txBody>
-          <a:bodyPr rtlCol="0" anchor="ctr"/>
-          <a:lstStyle/>
-          <a:p>
-            <a:pPr algn="ctr"/>
-            <a:endParaRPr lang="en-US"/>
-          </a:p>
-        </p:txBody>
-      </p:sp>
-      <p:sp>
-        <p:nvSpPr>
-          <p:cNvPr id="8" name="Rectangle 7"/>
-          <p:cNvSpPr/>
-          <p:nvPr/>
+        <p:txBody>
+          <a:bodyPr vert="horz" lIns="91440" tIns="45720" rIns="91440" bIns="45720" rtlCol="0" anchor="ctr"/>
+          <a:lstStyle>
+            <a:lvl1pPr algn="l">
+              <a:defRPr sz="900">
+                <a:solidFill>
+                  <a:schemeClr val="tx1">
+                    <a:tint val="75000"/>
+                  </a:schemeClr>
+                </a:solidFill>
+              </a:defRPr>
+            </a:lvl1pPr>
+          </a:lstStyle>
+          <a:p>
+            <a:fld id="{4B623FB3-6D89-433F-9B44-71608B1C306A}" type="datetimeFigureOut">
+              <a:rPr lang="en-IN" smtClean="0"/>
+              <a:t>08-06-2022</a:t>
+            </a:fld>
+            <a:endParaRPr lang="en-IN"/>
+          </a:p>
+        </p:txBody>
+      </p:sp>
+      <p:sp>
+        <p:nvSpPr>
+          <p:cNvPr id="5" name="Footer Placeholder 4">
+            <a:extLst>
+              <a:ext uri="{FF2B5EF4-FFF2-40B4-BE49-F238E27FC236}">
+                <a16:creationId xmlns:a16="http://schemas.microsoft.com/office/drawing/2014/main" id="{9C3C8799-C46D-404E-B4CB-CBA46798AF3D}"/>
+              </a:ext>
+            </a:extLst>
+          </p:cNvPr>
+          <p:cNvSpPr>
+            <a:spLocks noGrp="1"/>
+          </p:cNvSpPr>
+          <p:nvPr>
+            <p:ph type="ftr" sz="quarter" idx="3"/>
+          </p:nvPr>
         </p:nvSpPr>
         <p:spPr>
           <a:xfrm>
-            <a:off x="8458200" y="5486400"/>
-            <a:ext cx="685800" cy="685800"/>
+            <a:off x="3028950" y="6356351"/>
+            <a:ext cx="3086100" cy="365125"/>
           </a:xfrm>
           <a:prstGeom prst="rect">
             <a:avLst/>
           </a:prstGeom>
-          <a:solidFill>
-            <a:schemeClr val="accent1"/>
-          </a:solidFill>
-          <a:ln>
-            <a:noFill/>
-          </a:ln>
         </p:spPr>
-        <p:style>
-          <a:lnRef idx="2">
-            <a:schemeClr val="accent1">
-              <a:shade val="50000"/>
-            </a:schemeClr>
-          </a:lnRef>
-          <a:fillRef idx="1">
-            <a:schemeClr val="accent1"/>
-          </a:fillRef>
-          <a:effectRef idx="0">
-            <a:schemeClr val="accent1"/>
-          </a:effectRef>
-          <a:fontRef idx="minor">
-            <a:schemeClr val="lt1"/>
-          </a:fontRef>
-        </p:style>
-        <p:txBody>
-          <a:bodyPr rtlCol="0" anchor="ctr"/>
-          <a:lstStyle/>
-          <a:p>
-            <a:pPr algn="ctr"/>
-            <a:endParaRPr lang="en-US"/>
-          </a:p>
-        </p:txBody>
-      </p:sp>
-      <p:sp>
-        <p:nvSpPr>
-          <p:cNvPr id="6" name="Slide Number Placeholder 5"/>
+        <p:txBody>
+          <a:bodyPr vert="horz" lIns="91440" tIns="45720" rIns="91440" bIns="45720" rtlCol="0" anchor="ctr"/>
+          <a:lstStyle>
+            <a:lvl1pPr algn="ctr">
+              <a:defRPr sz="900">
+                <a:solidFill>
+                  <a:schemeClr val="tx1">
+                    <a:tint val="75000"/>
+                  </a:schemeClr>
+                </a:solidFill>
+              </a:defRPr>
+            </a:lvl1pPr>
+          </a:lstStyle>
+          <a:p>
+            <a:endParaRPr lang="en-IN"/>
+          </a:p>
+        </p:txBody>
+      </p:sp>
+      <p:sp>
+        <p:nvSpPr>
+          <p:cNvPr id="6" name="Slide Number Placeholder 5">
+            <a:extLst>
+              <a:ext uri="{FF2B5EF4-FFF2-40B4-BE49-F238E27FC236}">
+                <a16:creationId xmlns:a16="http://schemas.microsoft.com/office/drawing/2014/main" id="{947A56AE-F1AF-412C-849E-A71B32BDD7FE}"/>
+              </a:ext>
+            </a:extLst>
+          </p:cNvPr>
           <p:cNvSpPr>
             <a:spLocks noGrp="1"/>
           </p:cNvSpPr>
@@ -3442,27 +3698,22 @@
         </p:nvSpPr>
         <p:spPr>
           <a:xfrm>
-            <a:off x="8531788" y="5648960"/>
-            <a:ext cx="548640" cy="396240"/>
+            <a:off x="6457950" y="6356351"/>
+            <a:ext cx="2057400" cy="365125"/>
           </a:xfrm>
-          <a:prstGeom prst="bracketPair">
-            <a:avLst>
-              <a:gd name="adj" fmla="val 17949"/>
-            </a:avLst>
+          <a:prstGeom prst="rect">
+            <a:avLst/>
           </a:prstGeom>
-          <a:ln w="19050">
-            <a:solidFill>
-              <a:srgbClr val="FFFFFF"/>
-            </a:solidFill>
-          </a:ln>
         </p:spPr>
         <p:txBody>
-          <a:bodyPr vert="horz" lIns="0" tIns="0" rIns="0" bIns="0" rtlCol="0" anchor="ctr"/>
+          <a:bodyPr vert="horz" lIns="91440" tIns="45720" rIns="91440" bIns="45720" rtlCol="0" anchor="ctr"/>
           <a:lstStyle>
-            <a:lvl1pPr algn="ctr">
-              <a:defRPr sz="1800">
+            <a:lvl1pPr algn="r">
+              <a:defRPr sz="900">
                 <a:solidFill>
-                  <a:srgbClr val="FFFFFF"/>
+                  <a:schemeClr val="tx1">
+                    <a:tint val="75000"/>
+                  </a:schemeClr>
                 </a:solidFill>
               </a:defRPr>
             </a:lvl1pPr>
@@ -3476,112 +3727,42 @@
           </a:p>
         </p:txBody>
       </p:sp>
-      <p:sp>
-        <p:nvSpPr>
-          <p:cNvPr id="5" name="Footer Placeholder 4"/>
-          <p:cNvSpPr>
-            <a:spLocks noGrp="1"/>
-          </p:cNvSpPr>
-          <p:nvPr>
-            <p:ph type="ftr" sz="quarter" idx="3"/>
-          </p:nvPr>
-        </p:nvSpPr>
-        <p:spPr>
-          <a:xfrm rot="16200000">
-            <a:off x="7586910" y="4048760"/>
-            <a:ext cx="2367281" cy="365760"/>
-          </a:xfrm>
-          <a:prstGeom prst="rect">
-            <a:avLst/>
-          </a:prstGeom>
-        </p:spPr>
-        <p:txBody>
-          <a:bodyPr vert="horz" lIns="91440" tIns="45720" rIns="91440" bIns="45720" rtlCol="0" anchor="ctr"/>
-          <a:lstStyle>
-            <a:lvl1pPr algn="r">
-              <a:defRPr sz="1200">
-                <a:solidFill>
-                  <a:schemeClr val="bg2"/>
-                </a:solidFill>
-              </a:defRPr>
-            </a:lvl1pPr>
-          </a:lstStyle>
-          <a:p>
-            <a:endParaRPr lang="en-IN"/>
-          </a:p>
-        </p:txBody>
-      </p:sp>
-      <p:sp>
-        <p:nvSpPr>
-          <p:cNvPr id="4" name="Date Placeholder 3"/>
-          <p:cNvSpPr>
-            <a:spLocks noGrp="1"/>
-          </p:cNvSpPr>
-          <p:nvPr>
-            <p:ph type="dt" sz="half" idx="2"/>
-          </p:nvPr>
-        </p:nvSpPr>
-        <p:spPr>
-          <a:xfrm rot="16200000">
-            <a:off x="7551351" y="1645920"/>
-            <a:ext cx="2438399" cy="365760"/>
-          </a:xfrm>
-          <a:prstGeom prst="rect">
-            <a:avLst/>
-          </a:prstGeom>
-        </p:spPr>
-        <p:txBody>
-          <a:bodyPr vert="horz" lIns="91440" tIns="45720" rIns="91440" bIns="45720" rtlCol="0" anchor="ctr"/>
-          <a:lstStyle>
-            <a:lvl1pPr algn="l">
-              <a:defRPr sz="1200">
-                <a:solidFill>
-                  <a:schemeClr val="bg2"/>
-                </a:solidFill>
-              </a:defRPr>
-            </a:lvl1pPr>
-          </a:lstStyle>
-          <a:p>
-            <a:fld id="{4B623FB3-6D89-433F-9B44-71608B1C306A}" type="datetimeFigureOut">
-              <a:rPr lang="en-IN" smtClean="0"/>
-              <a:t>12-05-2022</a:t>
-            </a:fld>
-            <a:endParaRPr lang="en-IN"/>
-          </a:p>
-        </p:txBody>
-      </p:sp>
     </p:spTree>
+    <p:extLst>
+      <p:ext uri="{BB962C8B-B14F-4D97-AF65-F5344CB8AC3E}">
+        <p14:creationId xmlns:p14="http://schemas.microsoft.com/office/powerpoint/2010/main" val="2148339813"/>
+      </p:ext>
+    </p:extLst>
   </p:cSld>
   <p:clrMap bg1="lt1" tx1="dk1" bg2="lt2" tx2="dk2" accent1="accent1" accent2="accent2" accent3="accent3" accent4="accent4" accent5="accent5" accent6="accent6" hlink="hlink" folHlink="folHlink"/>
   <p:sldLayoutIdLst>
-    <p:sldLayoutId id="2147483697" r:id="rId1"/>
-    <p:sldLayoutId id="2147483698" r:id="rId2"/>
-    <p:sldLayoutId id="2147483699" r:id="rId3"/>
-    <p:sldLayoutId id="2147483700" r:id="rId4"/>
-    <p:sldLayoutId id="2147483701" r:id="rId5"/>
-    <p:sldLayoutId id="2147483702" r:id="rId6"/>
-    <p:sldLayoutId id="2147483703" r:id="rId7"/>
-    <p:sldLayoutId id="2147483704" r:id="rId8"/>
-    <p:sldLayoutId id="2147483705" r:id="rId9"/>
-    <p:sldLayoutId id="2147483706" r:id="rId10"/>
-    <p:sldLayoutId id="2147483707" r:id="rId11"/>
-    <p:sldLayoutId id="2147483708" r:id="rId12"/>
+    <p:sldLayoutId id="2147483710" r:id="rId1"/>
+    <p:sldLayoutId id="2147483711" r:id="rId2"/>
+    <p:sldLayoutId id="2147483712" r:id="rId3"/>
+    <p:sldLayoutId id="2147483713" r:id="rId4"/>
+    <p:sldLayoutId id="2147483714" r:id="rId5"/>
+    <p:sldLayoutId id="2147483715" r:id="rId6"/>
+    <p:sldLayoutId id="2147483716" r:id="rId7"/>
+    <p:sldLayoutId id="2147483717" r:id="rId8"/>
+    <p:sldLayoutId id="2147483718" r:id="rId9"/>
+    <p:sldLayoutId id="2147483719" r:id="rId10"/>
+    <p:sldLayoutId id="2147483720" r:id="rId11"/>
+    <p:sldLayoutId id="2147483721" r:id="rId12"/>
   </p:sldLayoutIdLst>
   <p:txStyles>
     <p:titleStyle>
-      <a:lvl1pPr algn="l" defTabSz="914400" rtl="0" eaLnBrk="1" latinLnBrk="0" hangingPunct="1">
+      <a:lvl1pPr algn="l" defTabSz="685800" rtl="0" eaLnBrk="1" latinLnBrk="0" hangingPunct="1">
+        <a:lnSpc>
+          <a:spcPct val="90000"/>
+        </a:lnSpc>
         <a:spcBef>
           <a:spcPct val="0"/>
         </a:spcBef>
         <a:buNone/>
-        <a:defRPr sz="4600" kern="1200" cap="none" spc="-100" baseline="0">
-          <a:ln>
-            <a:noFill/>
-          </a:ln>
+        <a:defRPr sz="3300" kern="1200">
           <a:solidFill>
-            <a:schemeClr val="tx2"/>
+            <a:schemeClr val="tx1"/>
           </a:solidFill>
-          <a:effectLst/>
           <a:latin typeface="+mj-lt"/>
           <a:ea typeface="+mj-ea"/>
           <a:cs typeface="+mj-cs"/>
@@ -3589,16 +3770,16 @@
       </a:lvl1pPr>
     </p:titleStyle>
     <p:bodyStyle>
-      <a:lvl1pPr marL="342900" indent="-228600" algn="l" defTabSz="914400" rtl="0" eaLnBrk="1" latinLnBrk="0" hangingPunct="1">
+      <a:lvl1pPr marL="171450" indent="-171450" algn="l" defTabSz="685800" rtl="0" eaLnBrk="1" latinLnBrk="0" hangingPunct="1">
+        <a:lnSpc>
+          <a:spcPct val="90000"/>
+        </a:lnSpc>
         <a:spcBef>
-          <a:spcPct val="20000"/>
+          <a:spcPts val="750"/>
         </a:spcBef>
-        <a:buClr>
-          <a:schemeClr val="accent1"/>
-        </a:buClr>
-        <a:buFont typeface="Arial" pitchFamily="34" charset="0"/>
+        <a:buFont typeface="Arial" panose="020B0604020202020204" pitchFamily="34" charset="0"/>
         <a:buChar char="•"/>
-        <a:defRPr sz="2200" kern="1200">
+        <a:defRPr sz="2100" kern="1200">
           <a:solidFill>
             <a:schemeClr val="tx1"/>
           </a:solidFill>
@@ -3607,32 +3788,14 @@
           <a:cs typeface="+mn-cs"/>
         </a:defRPr>
       </a:lvl1pPr>
-      <a:lvl2pPr marL="640080" indent="-228600" algn="l" defTabSz="914400" rtl="0" eaLnBrk="1" latinLnBrk="0" hangingPunct="1">
+      <a:lvl2pPr marL="514350" indent="-171450" algn="l" defTabSz="685800" rtl="0" eaLnBrk="1" latinLnBrk="0" hangingPunct="1">
+        <a:lnSpc>
+          <a:spcPct val="90000"/>
+        </a:lnSpc>
         <a:spcBef>
-          <a:spcPct val="20000"/>
+          <a:spcPts val="375"/>
         </a:spcBef>
-        <a:buClr>
-          <a:schemeClr val="accent2"/>
-        </a:buClr>
-        <a:buFont typeface="Arial" pitchFamily="34" charset="0"/>
-        <a:buChar char="•"/>
-        <a:defRPr sz="2000" kern="1200">
-          <a:solidFill>
-            <a:schemeClr val="tx1"/>
-          </a:solidFill>
-          <a:latin typeface="+mn-lt"/>
-          <a:ea typeface="+mn-ea"/>
-          <a:cs typeface="+mn-cs"/>
-        </a:defRPr>
-      </a:lvl2pPr>
-      <a:lvl3pPr marL="1005840" indent="-228600" algn="l" defTabSz="914400" rtl="0" eaLnBrk="1" latinLnBrk="0" hangingPunct="1">
-        <a:spcBef>
-          <a:spcPct val="20000"/>
-        </a:spcBef>
-        <a:buClr>
-          <a:schemeClr val="accent3"/>
-        </a:buClr>
-        <a:buFont typeface="Arial" pitchFamily="34" charset="0"/>
+        <a:buFont typeface="Arial" panose="020B0604020202020204" pitchFamily="34" charset="0"/>
         <a:buChar char="•"/>
         <a:defRPr sz="1800" kern="1200">
           <a:solidFill>
@@ -3642,17 +3805,35 @@
           <a:ea typeface="+mn-ea"/>
           <a:cs typeface="+mn-cs"/>
         </a:defRPr>
+      </a:lvl2pPr>
+      <a:lvl3pPr marL="857250" indent="-171450" algn="l" defTabSz="685800" rtl="0" eaLnBrk="1" latinLnBrk="0" hangingPunct="1">
+        <a:lnSpc>
+          <a:spcPct val="90000"/>
+        </a:lnSpc>
+        <a:spcBef>
+          <a:spcPts val="375"/>
+        </a:spcBef>
+        <a:buFont typeface="Arial" panose="020B0604020202020204" pitchFamily="34" charset="0"/>
+        <a:buChar char="•"/>
+        <a:defRPr sz="1500" kern="1200">
+          <a:solidFill>
+            <a:schemeClr val="tx1"/>
+          </a:solidFill>
+          <a:latin typeface="+mn-lt"/>
+          <a:ea typeface="+mn-ea"/>
+          <a:cs typeface="+mn-cs"/>
+        </a:defRPr>
       </a:lvl3pPr>
-      <a:lvl4pPr marL="1280160" indent="-228600" algn="l" defTabSz="914400" rtl="0" eaLnBrk="1" latinLnBrk="0" hangingPunct="1">
+      <a:lvl4pPr marL="1200150" indent="-171450" algn="l" defTabSz="685800" rtl="0" eaLnBrk="1" latinLnBrk="0" hangingPunct="1">
+        <a:lnSpc>
+          <a:spcPct val="90000"/>
+        </a:lnSpc>
         <a:spcBef>
-          <a:spcPct val="20000"/>
+          <a:spcPts val="375"/>
         </a:spcBef>
-        <a:buClr>
-          <a:schemeClr val="accent4"/>
-        </a:buClr>
-        <a:buFont typeface="Arial" pitchFamily="34" charset="0"/>
+        <a:buFont typeface="Arial" panose="020B0604020202020204" pitchFamily="34" charset="0"/>
         <a:buChar char="•"/>
-        <a:defRPr sz="1600" kern="1200">
+        <a:defRPr sz="1350" kern="1200">
           <a:solidFill>
             <a:schemeClr val="tx1"/>
           </a:solidFill>
@@ -3661,16 +3842,16 @@
           <a:cs typeface="+mn-cs"/>
         </a:defRPr>
       </a:lvl4pPr>
-      <a:lvl5pPr marL="1554480" indent="-228600" algn="l" defTabSz="914400" rtl="0" eaLnBrk="1" latinLnBrk="0" hangingPunct="1">
+      <a:lvl5pPr marL="1543050" indent="-171450" algn="l" defTabSz="685800" rtl="0" eaLnBrk="1" latinLnBrk="0" hangingPunct="1">
+        <a:lnSpc>
+          <a:spcPct val="90000"/>
+        </a:lnSpc>
         <a:spcBef>
-          <a:spcPct val="20000"/>
+          <a:spcPts val="375"/>
         </a:spcBef>
-        <a:buClr>
-          <a:schemeClr val="accent5"/>
-        </a:buClr>
-        <a:buFont typeface="Arial" pitchFamily="34" charset="0"/>
+        <a:buFont typeface="Arial" panose="020B0604020202020204" pitchFamily="34" charset="0"/>
         <a:buChar char="•"/>
-        <a:defRPr sz="1400" kern="1200" baseline="0">
+        <a:defRPr sz="1350" kern="1200">
           <a:solidFill>
             <a:schemeClr val="tx1"/>
           </a:solidFill>
@@ -3679,16 +3860,16 @@
           <a:cs typeface="+mn-cs"/>
         </a:defRPr>
       </a:lvl5pPr>
-      <a:lvl6pPr marL="1737360" indent="-182880" algn="l" defTabSz="914400" rtl="0" eaLnBrk="1" latinLnBrk="0" hangingPunct="1">
+      <a:lvl6pPr marL="1885950" indent="-171450" algn="l" defTabSz="685800" rtl="0" eaLnBrk="1" latinLnBrk="0" hangingPunct="1">
+        <a:lnSpc>
+          <a:spcPct val="90000"/>
+        </a:lnSpc>
         <a:spcBef>
-          <a:spcPct val="20000"/>
+          <a:spcPts val="375"/>
         </a:spcBef>
-        <a:buClr>
-          <a:schemeClr val="accent1"/>
-        </a:buClr>
-        <a:buFont typeface="Arial" pitchFamily="34" charset="0"/>
+        <a:buFont typeface="Arial" panose="020B0604020202020204" pitchFamily="34" charset="0"/>
         <a:buChar char="•"/>
-        <a:defRPr sz="1400" kern="1200" baseline="0">
+        <a:defRPr sz="1350" kern="1200">
           <a:solidFill>
             <a:schemeClr val="tx1"/>
           </a:solidFill>
@@ -3697,16 +3878,16 @@
           <a:cs typeface="+mn-cs"/>
         </a:defRPr>
       </a:lvl6pPr>
-      <a:lvl7pPr marL="1920240" indent="-182880" algn="l" defTabSz="914400" rtl="0" eaLnBrk="1" latinLnBrk="0" hangingPunct="1">
+      <a:lvl7pPr marL="2228850" indent="-171450" algn="l" defTabSz="685800" rtl="0" eaLnBrk="1" latinLnBrk="0" hangingPunct="1">
+        <a:lnSpc>
+          <a:spcPct val="90000"/>
+        </a:lnSpc>
         <a:spcBef>
-          <a:spcPct val="20000"/>
+          <a:spcPts val="375"/>
         </a:spcBef>
-        <a:buClr>
-          <a:schemeClr val="accent2"/>
-        </a:buClr>
-        <a:buFont typeface="Arial" pitchFamily="34" charset="0"/>
+        <a:buFont typeface="Arial" panose="020B0604020202020204" pitchFamily="34" charset="0"/>
         <a:buChar char="•"/>
-        <a:defRPr sz="1400" kern="1200">
+        <a:defRPr sz="1350" kern="1200">
           <a:solidFill>
             <a:schemeClr val="tx1"/>
           </a:solidFill>
@@ -3715,16 +3896,16 @@
           <a:cs typeface="+mn-cs"/>
         </a:defRPr>
       </a:lvl7pPr>
-      <a:lvl8pPr marL="2103120" indent="-182880" algn="l" defTabSz="914400" rtl="0" eaLnBrk="1" latinLnBrk="0" hangingPunct="1">
+      <a:lvl8pPr marL="2571750" indent="-171450" algn="l" defTabSz="685800" rtl="0" eaLnBrk="1" latinLnBrk="0" hangingPunct="1">
+        <a:lnSpc>
+          <a:spcPct val="90000"/>
+        </a:lnSpc>
         <a:spcBef>
-          <a:spcPct val="20000"/>
+          <a:spcPts val="375"/>
         </a:spcBef>
-        <a:buClr>
-          <a:schemeClr val="accent3"/>
-        </a:buClr>
-        <a:buFont typeface="Arial" pitchFamily="34" charset="0"/>
+        <a:buFont typeface="Arial" panose="020B0604020202020204" pitchFamily="34" charset="0"/>
         <a:buChar char="•"/>
-        <a:defRPr sz="1400" kern="1200">
+        <a:defRPr sz="1350" kern="1200">
           <a:solidFill>
             <a:schemeClr val="tx1"/>
           </a:solidFill>
@@ -3733,16 +3914,16 @@
           <a:cs typeface="+mn-cs"/>
         </a:defRPr>
       </a:lvl8pPr>
-      <a:lvl9pPr marL="2286000" indent="-182880" algn="l" defTabSz="914400" rtl="0" eaLnBrk="1" latinLnBrk="0" hangingPunct="1">
+      <a:lvl9pPr marL="2914650" indent="-171450" algn="l" defTabSz="685800" rtl="0" eaLnBrk="1" latinLnBrk="0" hangingPunct="1">
+        <a:lnSpc>
+          <a:spcPct val="90000"/>
+        </a:lnSpc>
         <a:spcBef>
-          <a:spcPct val="20000"/>
+          <a:spcPts val="375"/>
         </a:spcBef>
-        <a:buClr>
-          <a:schemeClr val="accent4"/>
-        </a:buClr>
-        <a:buFont typeface="Arial" pitchFamily="34" charset="0"/>
+        <a:buFont typeface="Arial" panose="020B0604020202020204" pitchFamily="34" charset="0"/>
         <a:buChar char="•"/>
-        <a:defRPr sz="1400" kern="1200">
+        <a:defRPr sz="1350" kern="1200">
           <a:solidFill>
             <a:schemeClr val="tx1"/>
           </a:solidFill>
@@ -3756,8 +3937,8 @@
       <a:defPPr>
         <a:defRPr lang="en-US"/>
       </a:defPPr>
-      <a:lvl1pPr marL="0" algn="l" defTabSz="914400" rtl="0" eaLnBrk="1" latinLnBrk="0" hangingPunct="1">
-        <a:defRPr sz="1800" kern="1200">
+      <a:lvl1pPr marL="0" algn="l" defTabSz="685800" rtl="0" eaLnBrk="1" latinLnBrk="0" hangingPunct="1">
+        <a:defRPr sz="1350" kern="1200">
           <a:solidFill>
             <a:schemeClr val="tx1"/>
           </a:solidFill>
@@ -3766,8 +3947,8 @@
           <a:cs typeface="+mn-cs"/>
         </a:defRPr>
       </a:lvl1pPr>
-      <a:lvl2pPr marL="457200" algn="l" defTabSz="914400" rtl="0" eaLnBrk="1" latinLnBrk="0" hangingPunct="1">
-        <a:defRPr sz="1800" kern="1200">
+      <a:lvl2pPr marL="342900" algn="l" defTabSz="685800" rtl="0" eaLnBrk="1" latinLnBrk="0" hangingPunct="1">
+        <a:defRPr sz="1350" kern="1200">
           <a:solidFill>
             <a:schemeClr val="tx1"/>
           </a:solidFill>
@@ -3776,8 +3957,8 @@
           <a:cs typeface="+mn-cs"/>
         </a:defRPr>
       </a:lvl2pPr>
-      <a:lvl3pPr marL="914400" algn="l" defTabSz="914400" rtl="0" eaLnBrk="1" latinLnBrk="0" hangingPunct="1">
-        <a:defRPr sz="1800" kern="1200">
+      <a:lvl3pPr marL="685800" algn="l" defTabSz="685800" rtl="0" eaLnBrk="1" latinLnBrk="0" hangingPunct="1">
+        <a:defRPr sz="1350" kern="1200">
           <a:solidFill>
             <a:schemeClr val="tx1"/>
           </a:solidFill>
@@ -3786,8 +3967,8 @@
           <a:cs typeface="+mn-cs"/>
         </a:defRPr>
       </a:lvl3pPr>
-      <a:lvl4pPr marL="1371600" algn="l" defTabSz="914400" rtl="0" eaLnBrk="1" latinLnBrk="0" hangingPunct="1">
-        <a:defRPr sz="1800" kern="1200">
+      <a:lvl4pPr marL="1028700" algn="l" defTabSz="685800" rtl="0" eaLnBrk="1" latinLnBrk="0" hangingPunct="1">
+        <a:defRPr sz="1350" kern="1200">
           <a:solidFill>
             <a:schemeClr val="tx1"/>
           </a:solidFill>
@@ -3796,8 +3977,8 @@
           <a:cs typeface="+mn-cs"/>
         </a:defRPr>
       </a:lvl4pPr>
-      <a:lvl5pPr marL="1828800" algn="l" defTabSz="914400" rtl="0" eaLnBrk="1" latinLnBrk="0" hangingPunct="1">
-        <a:defRPr sz="1800" kern="1200">
+      <a:lvl5pPr marL="1371600" algn="l" defTabSz="685800" rtl="0" eaLnBrk="1" latinLnBrk="0" hangingPunct="1">
+        <a:defRPr sz="1350" kern="1200">
           <a:solidFill>
             <a:schemeClr val="tx1"/>
           </a:solidFill>
@@ -3806,8 +3987,8 @@
           <a:cs typeface="+mn-cs"/>
         </a:defRPr>
       </a:lvl5pPr>
-      <a:lvl6pPr marL="2286000" algn="l" defTabSz="914400" rtl="0" eaLnBrk="1" latinLnBrk="0" hangingPunct="1">
-        <a:defRPr sz="1800" kern="1200">
+      <a:lvl6pPr marL="1714500" algn="l" defTabSz="685800" rtl="0" eaLnBrk="1" latinLnBrk="0" hangingPunct="1">
+        <a:defRPr sz="1350" kern="1200">
           <a:solidFill>
             <a:schemeClr val="tx1"/>
           </a:solidFill>
@@ -3816,8 +3997,8 @@
           <a:cs typeface="+mn-cs"/>
         </a:defRPr>
       </a:lvl6pPr>
-      <a:lvl7pPr marL="2743200" algn="l" defTabSz="914400" rtl="0" eaLnBrk="1" latinLnBrk="0" hangingPunct="1">
-        <a:defRPr sz="1800" kern="1200">
+      <a:lvl7pPr marL="2057400" algn="l" defTabSz="685800" rtl="0" eaLnBrk="1" latinLnBrk="0" hangingPunct="1">
+        <a:defRPr sz="1350" kern="1200">
           <a:solidFill>
             <a:schemeClr val="tx1"/>
           </a:solidFill>
@@ -3826,8 +4007,8 @@
           <a:cs typeface="+mn-cs"/>
         </a:defRPr>
       </a:lvl7pPr>
-      <a:lvl8pPr marL="3200400" algn="l" defTabSz="914400" rtl="0" eaLnBrk="1" latinLnBrk="0" hangingPunct="1">
-        <a:defRPr sz="1800" kern="1200">
+      <a:lvl8pPr marL="2400300" algn="l" defTabSz="685800" rtl="0" eaLnBrk="1" latinLnBrk="0" hangingPunct="1">
+        <a:defRPr sz="1350" kern="1200">
           <a:solidFill>
             <a:schemeClr val="tx1"/>
           </a:solidFill>
@@ -3836,8 +4017,8 @@
           <a:cs typeface="+mn-cs"/>
         </a:defRPr>
       </a:lvl8pPr>
-      <a:lvl9pPr marL="3657600" algn="l" defTabSz="914400" rtl="0" eaLnBrk="1" latinLnBrk="0" hangingPunct="1">
-        <a:defRPr sz="1800" kern="1200">
+      <a:lvl9pPr marL="2743200" algn="l" defTabSz="685800" rtl="0" eaLnBrk="1" latinLnBrk="0" hangingPunct="1">
+        <a:defRPr sz="1350" kern="1200">
           <a:solidFill>
             <a:schemeClr val="tx1"/>
           </a:solidFill>
@@ -4487,7 +4668,7 @@
         </p:nvSpPr>
         <p:spPr>
           <a:xfrm>
-            <a:off x="1600200" y="990600"/>
+            <a:off x="1638300" y="245443"/>
             <a:ext cx="5715000" cy="1143000"/>
           </a:xfrm>
         </p:spPr>
@@ -4495,15 +4676,11 @@
           <a:bodyPr/>
           <a:lstStyle/>
           <a:p>
-            <a:r>
-              <a:rPr lang="fr-FR" altLang="en-US"/>
-              <a:t>An Example: </a:t>
-            </a:r>
             <a:br>
-              <a:rPr lang="fr-FR" altLang="en-US"/>
+              <a:rPr lang="fr-FR" altLang="en-US" dirty="0"/>
             </a:br>
             <a:r>
-              <a:rPr lang="fr-FR" altLang="en-US"/>
+              <a:rPr lang="fr-FR" altLang="en-US" dirty="0"/>
               <a:t>A Multi-model System</a:t>
             </a:r>
           </a:p>
@@ -4560,47 +4737,6 @@
           </a:p>
         </p:txBody>
       </p:sp>
-      <p:pic>
-        <p:nvPicPr>
-          <p:cNvPr id="26631" name="Picture 7" descr="C:\WINDOWS\Application Data\Microsoft\Media Catalog\Downloaded Clips\cl7d\j0312612.wmf"/>
-          <p:cNvPicPr>
-            <a:picLocks noChangeAspect="1" noChangeArrowheads="1"/>
-          </p:cNvPicPr>
-          <p:nvPr/>
-        </p:nvPicPr>
-        <p:blipFill>
-          <a:blip r:embed="rId3" cstate="print">
-            <a:extLst>
-              <a:ext uri="{28A0092B-C50C-407E-A947-70E740481C1C}">
-                <a14:useLocalDpi xmlns:a14="http://schemas.microsoft.com/office/drawing/2010/main" val="0"/>
-              </a:ext>
-            </a:extLst>
-          </a:blip>
-          <a:srcRect/>
-          <a:stretch>
-            <a:fillRect/>
-          </a:stretch>
-        </p:blipFill>
-        <p:spPr bwMode="auto">
-          <a:xfrm>
-            <a:off x="76200" y="1447800"/>
-            <a:ext cx="1482725" cy="1812925"/>
-          </a:xfrm>
-          <a:prstGeom prst="rect">
-            <a:avLst/>
-          </a:prstGeom>
-          <a:noFill/>
-          <a:extLst>
-            <a:ext uri="{909E8E84-426E-40DD-AFC4-6F175D3DCCD1}">
-              <a14:hiddenFill xmlns:a14="http://schemas.microsoft.com/office/drawing/2010/main">
-                <a:solidFill>
-                  <a:srgbClr val="FFFFFF"/>
-                </a:solidFill>
-              </a14:hiddenFill>
-            </a:ext>
-          </a:extLst>
-        </p:spPr>
-      </p:pic>
       <p:sp>
         <p:nvSpPr>
           <p:cNvPr id="26632" name="Text Box 8"/>
@@ -5045,47 +5181,6 @@
           </a:p>
         </p:txBody>
       </p:sp>
-      <p:pic>
-        <p:nvPicPr>
-          <p:cNvPr id="26640" name="Picture 16" descr="C:\WINDOWS\Application Data\Microsoft\Media Catalog\Downloaded Clips\cl4f\j0198932.wmf"/>
-          <p:cNvPicPr>
-            <a:picLocks noChangeAspect="1" noChangeArrowheads="1"/>
-          </p:cNvPicPr>
-          <p:nvPr/>
-        </p:nvPicPr>
-        <p:blipFill>
-          <a:blip r:embed="rId4" cstate="print">
-            <a:extLst>
-              <a:ext uri="{28A0092B-C50C-407E-A947-70E740481C1C}">
-                <a14:useLocalDpi xmlns:a14="http://schemas.microsoft.com/office/drawing/2010/main" val="0"/>
-              </a:ext>
-            </a:extLst>
-          </a:blip>
-          <a:srcRect/>
-          <a:stretch>
-            <a:fillRect/>
-          </a:stretch>
-        </p:blipFill>
-        <p:spPr bwMode="auto">
-          <a:xfrm>
-            <a:off x="7848600" y="1812925"/>
-            <a:ext cx="1079500" cy="1236663"/>
-          </a:xfrm>
-          <a:prstGeom prst="rect">
-            <a:avLst/>
-          </a:prstGeom>
-          <a:noFill/>
-          <a:extLst>
-            <a:ext uri="{909E8E84-426E-40DD-AFC4-6F175D3DCCD1}">
-              <a14:hiddenFill xmlns:a14="http://schemas.microsoft.com/office/drawing/2010/main">
-                <a:solidFill>
-                  <a:srgbClr val="FFFFFF"/>
-                </a:solidFill>
-              </a14:hiddenFill>
-            </a:ext>
-          </a:extLst>
-        </p:spPr>
-      </p:pic>
       <p:sp>
         <p:nvSpPr>
           <p:cNvPr id="26641" name="Freeform 17"/>
@@ -5349,7 +5444,7 @@
         </p:nvSpPr>
         <p:spPr bwMode="auto">
           <a:xfrm>
-            <a:off x="7848600" y="3273425"/>
+            <a:off x="7808835" y="2730638"/>
             <a:ext cx="973138" cy="701675"/>
           </a:xfrm>
           <a:prstGeom prst="rect">
@@ -5397,24 +5492,24 @@
           <a:p>
             <a:pPr algn="l"/>
             <a:r>
-              <a:rPr kumimoji="1" lang="fr-FR" altLang="en-US" sz="2000"/>
+              <a:rPr kumimoji="1" lang="fr-FR" altLang="en-US" sz="2000" dirty="0"/>
               <a:t>Accept/</a:t>
             </a:r>
           </a:p>
           <a:p>
             <a:pPr algn="l"/>
             <a:r>
-              <a:rPr kumimoji="1" lang="fr-FR" altLang="en-US" sz="2000"/>
+              <a:rPr kumimoji="1" lang="fr-FR" altLang="en-US" sz="2000" dirty="0"/>
               <a:t>Reject</a:t>
             </a:r>
-            <a:endParaRPr kumimoji="1" lang="en-GB" altLang="en-US" sz="2000"/>
+            <a:endParaRPr kumimoji="1" lang="en-GB" altLang="en-US" sz="2000" dirty="0"/>
           </a:p>
         </p:txBody>
       </p:sp>
       <p:pic>
         <p:nvPicPr>
           <p:cNvPr id="26645" name="Picture 21">
-            <a:hlinkClick r:id="rId5"/>
+            <a:hlinkClick r:id="rId3"/>
           </p:cNvPr>
           <p:cNvPicPr>
             <a:picLocks noChangeAspect="1" noChangeArrowheads="1"/>
@@ -5422,7 +5517,7 @@
           <p:nvPr/>
         </p:nvPicPr>
         <p:blipFill>
-          <a:blip r:embed="rId6">
+          <a:blip r:embed="rId4">
             <a:extLst>
               <a:ext uri="{28A0092B-C50C-407E-A947-70E740481C1C}">
                 <a14:useLocalDpi xmlns:a14="http://schemas.microsoft.com/office/drawing/2010/main" val="0"/>
@@ -5463,7 +5558,7 @@
           <p:nvPr/>
         </p:nvPicPr>
         <p:blipFill>
-          <a:blip r:embed="rId7">
+          <a:blip r:embed="rId5">
             <a:extLst>
               <a:ext uri="{28A0092B-C50C-407E-A947-70E740481C1C}">
                 <a14:useLocalDpi xmlns:a14="http://schemas.microsoft.com/office/drawing/2010/main" val="0"/>
@@ -5491,70 +5586,6 @@
                   <a:srgbClr val="FFFFFF"/>
                 </a:solidFill>
               </a14:hiddenFill>
-            </a:ext>
-          </a:extLst>
-        </p:spPr>
-      </p:pic>
-      <p:pic>
-        <p:nvPicPr>
-          <p:cNvPr id="26650" name="Picture 26"/>
-          <p:cNvPicPr>
-            <a:picLocks noChangeAspect="1" noChangeArrowheads="1"/>
-          </p:cNvPicPr>
-          <p:nvPr/>
-        </p:nvPicPr>
-        <p:blipFill>
-          <a:blip r:embed="rId8">
-            <a:extLst>
-              <a:ext uri="{28A0092B-C50C-407E-A947-70E740481C1C}">
-                <a14:useLocalDpi xmlns:a14="http://schemas.microsoft.com/office/drawing/2010/main" val="0"/>
-              </a:ext>
-            </a:extLst>
-          </a:blip>
-          <a:srcRect/>
-          <a:stretch>
-            <a:fillRect/>
-          </a:stretch>
-        </p:blipFill>
-        <p:spPr bwMode="auto">
-          <a:xfrm>
-            <a:off x="2597150" y="3886200"/>
-            <a:ext cx="561975" cy="838200"/>
-          </a:xfrm>
-          <a:prstGeom prst="rect">
-            <a:avLst/>
-          </a:prstGeom>
-          <a:noFill/>
-          <a:ln>
-            <a:noFill/>
-          </a:ln>
-          <a:effectLst/>
-          <a:extLst>
-            <a:ext uri="{909E8E84-426E-40DD-AFC4-6F175D3DCCD1}">
-              <a14:hiddenFill xmlns:a14="http://schemas.microsoft.com/office/drawing/2010/main">
-                <a:solidFill>
-                  <a:schemeClr val="accent1"/>
-                </a:solidFill>
-              </a14:hiddenFill>
-            </a:ext>
-            <a:ext uri="{91240B29-F687-4F45-9708-019B960494DF}">
-              <a14:hiddenLine xmlns:a14="http://schemas.microsoft.com/office/drawing/2010/main" w="9525">
-                <a:solidFill>
-                  <a:schemeClr val="tx1"/>
-                </a:solidFill>
-                <a:miter lim="800000"/>
-                <a:headEnd/>
-                <a:tailEnd/>
-              </a14:hiddenLine>
-            </a:ext>
-            <a:ext uri="{AF507438-7753-43E0-B8FC-AC1667EBCBE1}">
-              <a14:hiddenEffects xmlns:a14="http://schemas.microsoft.com/office/drawing/2010/main">
-                <a:effectLst>
-                  <a:outerShdw dist="35921" dir="2700000" algn="ctr" rotWithShape="0">
-                    <a:srgbClr val="808080"/>
-                  </a:outerShdw>
-                </a:effectLst>
-              </a14:hiddenEffects>
             </a:ext>
           </a:extLst>
         </p:spPr>
@@ -5735,16 +5766,16 @@
           <a:lstStyle/>
           <a:p>
             <a:r>
-              <a:rPr kumimoji="1" lang="fr-FR" altLang="en-US" sz="1600" b="1"/>
+              <a:rPr kumimoji="1" lang="fr-FR" altLang="en-US" sz="1600" b="1" dirty="0"/>
               <a:t>Face</a:t>
             </a:r>
           </a:p>
           <a:p>
             <a:r>
-              <a:rPr kumimoji="1" lang="fr-FR" altLang="en-US" sz="1600" b="1"/>
+              <a:rPr kumimoji="1" lang="fr-FR" altLang="en-US" sz="1600" b="1" dirty="0"/>
               <a:t>Extractor</a:t>
             </a:r>
-            <a:endParaRPr kumimoji="1" lang="en-GB" altLang="en-US" sz="1600" b="1"/>
+            <a:endParaRPr kumimoji="1" lang="en-GB" altLang="en-US" sz="1600" b="1" dirty="0"/>
           </a:p>
         </p:txBody>
       </p:sp>
@@ -6177,6 +6208,129 @@
           </a:p>
         </p:txBody>
       </p:sp>
+      <p:sp>
+        <p:nvSpPr>
+          <p:cNvPr id="2" name="TextBox 1">
+            <a:extLst>
+              <a:ext uri="{FF2B5EF4-FFF2-40B4-BE49-F238E27FC236}">
+                <a16:creationId xmlns:a16="http://schemas.microsoft.com/office/drawing/2014/main" id="{331EECF3-045C-4BD9-8AA2-5C0217D10831}"/>
+              </a:ext>
+            </a:extLst>
+          </p:cNvPr>
+          <p:cNvSpPr txBox="1"/>
+          <p:nvPr/>
+        </p:nvSpPr>
+        <p:spPr>
+          <a:xfrm>
+            <a:off x="1619251" y="4648200"/>
+            <a:ext cx="800099" cy="369332"/>
+          </a:xfrm>
+          <a:prstGeom prst="rect">
+            <a:avLst/>
+          </a:prstGeom>
+          <a:noFill/>
+          <a:ln>
+            <a:solidFill>
+              <a:schemeClr val="tx1"/>
+            </a:solidFill>
+          </a:ln>
+        </p:spPr>
+        <p:txBody>
+          <a:bodyPr wrap="square" rtlCol="0">
+            <a:spAutoFit/>
+          </a:bodyPr>
+          <a:lstStyle/>
+          <a:p>
+            <a:r>
+              <a:rPr lang="en-US" dirty="0"/>
+              <a:t>Image</a:t>
+            </a:r>
+            <a:endParaRPr lang="en-IN" dirty="0"/>
+          </a:p>
+        </p:txBody>
+      </p:sp>
+      <p:sp>
+        <p:nvSpPr>
+          <p:cNvPr id="3" name="TextBox 2">
+            <a:extLst>
+              <a:ext uri="{FF2B5EF4-FFF2-40B4-BE49-F238E27FC236}">
+                <a16:creationId xmlns:a16="http://schemas.microsoft.com/office/drawing/2014/main" id="{E2F8FB7D-B76B-4BD9-89E3-285EBF735603}"/>
+              </a:ext>
+            </a:extLst>
+          </p:cNvPr>
+          <p:cNvSpPr txBox="1"/>
+          <p:nvPr/>
+        </p:nvSpPr>
+        <p:spPr>
+          <a:xfrm>
+            <a:off x="7834313" y="2227263"/>
+            <a:ext cx="740870" cy="369332"/>
+          </a:xfrm>
+          <a:prstGeom prst="rect">
+            <a:avLst/>
+          </a:prstGeom>
+          <a:noFill/>
+          <a:ln>
+            <a:solidFill>
+              <a:schemeClr val="tx1"/>
+            </a:solidFill>
+          </a:ln>
+        </p:spPr>
+        <p:txBody>
+          <a:bodyPr wrap="square" rtlCol="0">
+            <a:spAutoFit/>
+          </a:bodyPr>
+          <a:lstStyle/>
+          <a:p>
+            <a:r>
+              <a:rPr lang="en-US" dirty="0"/>
+              <a:t>Key</a:t>
+            </a:r>
+            <a:endParaRPr lang="en-IN" dirty="0"/>
+          </a:p>
+        </p:txBody>
+      </p:sp>
+      <p:sp>
+        <p:nvSpPr>
+          <p:cNvPr id="4" name="TextBox 3">
+            <a:extLst>
+              <a:ext uri="{FF2B5EF4-FFF2-40B4-BE49-F238E27FC236}">
+                <a16:creationId xmlns:a16="http://schemas.microsoft.com/office/drawing/2014/main" id="{30463D81-94B7-471D-8E55-F961D9AFEB94}"/>
+              </a:ext>
+            </a:extLst>
+          </p:cNvPr>
+          <p:cNvSpPr txBox="1"/>
+          <p:nvPr/>
+        </p:nvSpPr>
+        <p:spPr>
+          <a:xfrm>
+            <a:off x="395536" y="2173069"/>
+            <a:ext cx="1037977" cy="646331"/>
+          </a:xfrm>
+          <a:prstGeom prst="rect">
+            <a:avLst/>
+          </a:prstGeom>
+          <a:noFill/>
+          <a:ln>
+            <a:solidFill>
+              <a:schemeClr val="tx1"/>
+            </a:solidFill>
+          </a:ln>
+        </p:spPr>
+        <p:txBody>
+          <a:bodyPr wrap="square" rtlCol="0">
+            <a:spAutoFit/>
+          </a:bodyPr>
+          <a:lstStyle/>
+          <a:p>
+            <a:r>
+              <a:rPr lang="en-US" dirty="0"/>
+              <a:t>User / Person</a:t>
+            </a:r>
+            <a:endParaRPr lang="en-IN" dirty="0"/>
+          </a:p>
+        </p:txBody>
+      </p:sp>
     </p:spTree>
     <p:extLst>
       <p:ext uri="{BB962C8B-B14F-4D97-AF65-F5344CB8AC3E}">
@@ -6954,7 +7108,7 @@
         <p:spPr/>
         <p:txBody>
           <a:bodyPr>
-            <a:normAutofit fontScale="92500"/>
+            <a:normAutofit lnSpcReduction="10000"/>
           </a:bodyPr>
           <a:lstStyle/>
           <a:p>
@@ -7118,7 +7272,7 @@
         <p:spPr/>
         <p:txBody>
           <a:bodyPr>
-            <a:normAutofit fontScale="90000"/>
+            <a:normAutofit/>
           </a:bodyPr>
           <a:lstStyle/>
           <a:p>
@@ -7229,7 +7383,7 @@
         <p:spPr/>
         <p:txBody>
           <a:bodyPr>
-            <a:normAutofit lnSpcReduction="10000"/>
+            <a:normAutofit/>
           </a:bodyPr>
           <a:lstStyle/>
           <a:p>
@@ -7302,7 +7456,9 @@
         </p:nvSpPr>
         <p:spPr/>
         <p:txBody>
-          <a:bodyPr/>
+          <a:bodyPr>
+            <a:normAutofit fontScale="90000"/>
+          </a:bodyPr>
           <a:lstStyle/>
           <a:p>
             <a:br>
@@ -8465,7 +8621,9 @@
         </p:nvSpPr>
         <p:spPr/>
         <p:txBody>
-          <a:bodyPr/>
+          <a:bodyPr>
+            <a:normAutofit fontScale="90000"/>
+          </a:bodyPr>
           <a:lstStyle/>
           <a:p>
             <a:br>
@@ -8789,54 +8947,54 @@
 </file>
 
 <file path=ppt/theme/theme1.xml><?xml version="1.0" encoding="utf-8"?>
-<a:theme xmlns:a="http://schemas.openxmlformats.org/drawingml/2006/main" name="Adjacency">
+<a:theme xmlns:a="http://schemas.openxmlformats.org/drawingml/2006/main" name="Office Theme">
   <a:themeElements>
-    <a:clrScheme name="Adjacency">
+    <a:clrScheme name="Office">
       <a:dk1>
-        <a:srgbClr val="2F2B20"/>
+        <a:sysClr val="windowText" lastClr="000000"/>
       </a:dk1>
       <a:lt1>
-        <a:srgbClr val="FFFFFF"/>
+        <a:sysClr val="window" lastClr="FFFFFF"/>
       </a:lt1>
       <a:dk2>
-        <a:srgbClr val="675E47"/>
+        <a:srgbClr val="44546A"/>
       </a:dk2>
       <a:lt2>
-        <a:srgbClr val="DFDCB7"/>
+        <a:srgbClr val="E7E6E6"/>
       </a:lt2>
       <a:accent1>
-        <a:srgbClr val="A9A57C"/>
+        <a:srgbClr val="4472C4"/>
       </a:accent1>
       <a:accent2>
-        <a:srgbClr val="9CBEBD"/>
+        <a:srgbClr val="ED7D31"/>
       </a:accent2>
       <a:accent3>
-        <a:srgbClr val="D2CB6C"/>
+        <a:srgbClr val="A5A5A5"/>
       </a:accent3>
       <a:accent4>
-        <a:srgbClr val="95A39D"/>
+        <a:srgbClr val="FFC000"/>
       </a:accent4>
       <a:accent5>
-        <a:srgbClr val="C89F5D"/>
+        <a:srgbClr val="5B9BD5"/>
       </a:accent5>
       <a:accent6>
-        <a:srgbClr val="B1A089"/>
+        <a:srgbClr val="70AD47"/>
       </a:accent6>
       <a:hlink>
-        <a:srgbClr val="D25814"/>
+        <a:srgbClr val="0563C1"/>
       </a:hlink>
       <a:folHlink>
-        <a:srgbClr val="849A0A"/>
+        <a:srgbClr val="954F72"/>
       </a:folHlink>
     </a:clrScheme>
     <a:fontScheme name="Office">
       <a:majorFont>
-        <a:latin typeface="Cambria"/>
+        <a:latin typeface="Calibri Light" panose="020F0302020204030204"/>
         <a:ea typeface=""/>
         <a:cs typeface=""/>
-        <a:font script="Jpan" typeface="ＭＳ ゴシック"/>
+        <a:font script="Jpan" typeface="游ゴシック Light"/>
         <a:font script="Hang" typeface="맑은 고딕"/>
-        <a:font script="Hans" typeface="宋体"/>
+        <a:font script="Hans" typeface="等线 Light"/>
         <a:font script="Hant" typeface="新細明體"/>
         <a:font script="Arab" typeface="Times New Roman"/>
         <a:font script="Hebr" typeface="Times New Roman"/>
@@ -8864,14 +9022,31 @@
         <a:font script="Viet" typeface="Times New Roman"/>
         <a:font script="Uigh" typeface="Microsoft Uighur"/>
         <a:font script="Geor" typeface="Sylfaen"/>
+        <a:font script="Armn" typeface="Arial"/>
+        <a:font script="Bugi" typeface="Leelawadee UI"/>
+        <a:font script="Bopo" typeface="Microsoft JhengHei"/>
+        <a:font script="Java" typeface="Javanese Text"/>
+        <a:font script="Lisu" typeface="Segoe UI"/>
+        <a:font script="Mymr" typeface="Myanmar Text"/>
+        <a:font script="Nkoo" typeface="Ebrima"/>
+        <a:font script="Olck" typeface="Nirmala UI"/>
+        <a:font script="Osma" typeface="Ebrima"/>
+        <a:font script="Phag" typeface="Phagspa"/>
+        <a:font script="Syrn" typeface="Estrangelo Edessa"/>
+        <a:font script="Syrj" typeface="Estrangelo Edessa"/>
+        <a:font script="Syre" typeface="Estrangelo Edessa"/>
+        <a:font script="Sora" typeface="Nirmala UI"/>
+        <a:font script="Tale" typeface="Microsoft Tai Le"/>
+        <a:font script="Talu" typeface="Microsoft New Tai Lue"/>
+        <a:font script="Tfng" typeface="Ebrima"/>
       </a:majorFont>
       <a:minorFont>
-        <a:latin typeface="Calibri"/>
+        <a:latin typeface="Calibri" panose="020F0502020204030204"/>
         <a:ea typeface=""/>
         <a:cs typeface=""/>
-        <a:font script="Jpan" typeface="ＭＳ 明朝"/>
+        <a:font script="Jpan" typeface="游ゴシック"/>
         <a:font script="Hang" typeface="맑은 고딕"/>
-        <a:font script="Hans" typeface="宋体"/>
+        <a:font script="Hans" typeface="等线"/>
         <a:font script="Hant" typeface="新細明體"/>
         <a:font script="Arab" typeface="Arial"/>
         <a:font script="Hebr" typeface="Arial"/>
@@ -8899,43 +9074,104 @@
         <a:font script="Viet" typeface="Arial"/>
         <a:font script="Uigh" typeface="Microsoft Uighur"/>
         <a:font script="Geor" typeface="Sylfaen"/>
+        <a:font script="Armn" typeface="Arial"/>
+        <a:font script="Bugi" typeface="Leelawadee UI"/>
+        <a:font script="Bopo" typeface="Microsoft JhengHei"/>
+        <a:font script="Java" typeface="Javanese Text"/>
+        <a:font script="Lisu" typeface="Segoe UI"/>
+        <a:font script="Mymr" typeface="Myanmar Text"/>
+        <a:font script="Nkoo" typeface="Ebrima"/>
+        <a:font script="Olck" typeface="Nirmala UI"/>
+        <a:font script="Osma" typeface="Ebrima"/>
+        <a:font script="Phag" typeface="Phagspa"/>
+        <a:font script="Syrn" typeface="Estrangelo Edessa"/>
+        <a:font script="Syrj" typeface="Estrangelo Edessa"/>
+        <a:font script="Syre" typeface="Estrangelo Edessa"/>
+        <a:font script="Sora" typeface="Nirmala UI"/>
+        <a:font script="Tale" typeface="Microsoft Tai Le"/>
+        <a:font script="Talu" typeface="Microsoft New Tai Lue"/>
+        <a:font script="Tfng" typeface="Ebrima"/>
       </a:minorFont>
     </a:fontScheme>
-    <a:fmtScheme name="Adjacency">
+    <a:fmtScheme name="Office">
       <a:fillStyleLst>
         <a:solidFill>
           <a:schemeClr val="phClr"/>
         </a:solidFill>
-        <a:solidFill>
-          <a:schemeClr val="phClr">
-            <a:tint val="55000"/>
-          </a:schemeClr>
-        </a:solidFill>
-        <a:solidFill>
-          <a:schemeClr val="phClr"/>
-        </a:solidFill>
+        <a:gradFill rotWithShape="1">
+          <a:gsLst>
+            <a:gs pos="0">
+              <a:schemeClr val="phClr">
+                <a:lumMod val="110000"/>
+                <a:satMod val="105000"/>
+                <a:tint val="67000"/>
+              </a:schemeClr>
+            </a:gs>
+            <a:gs pos="50000">
+              <a:schemeClr val="phClr">
+                <a:lumMod val="105000"/>
+                <a:satMod val="103000"/>
+                <a:tint val="73000"/>
+              </a:schemeClr>
+            </a:gs>
+            <a:gs pos="100000">
+              <a:schemeClr val="phClr">
+                <a:lumMod val="105000"/>
+                <a:satMod val="109000"/>
+                <a:tint val="81000"/>
+              </a:schemeClr>
+            </a:gs>
+          </a:gsLst>
+          <a:lin ang="5400000" scaled="0"/>
+        </a:gradFill>
+        <a:gradFill rotWithShape="1">
+          <a:gsLst>
+            <a:gs pos="0">
+              <a:schemeClr val="phClr">
+                <a:satMod val="103000"/>
+                <a:lumMod val="102000"/>
+                <a:tint val="94000"/>
+              </a:schemeClr>
+            </a:gs>
+            <a:gs pos="50000">
+              <a:schemeClr val="phClr">
+                <a:satMod val="110000"/>
+                <a:lumMod val="100000"/>
+                <a:shade val="100000"/>
+              </a:schemeClr>
+            </a:gs>
+            <a:gs pos="100000">
+              <a:schemeClr val="phClr">
+                <a:lumMod val="99000"/>
+                <a:satMod val="120000"/>
+                <a:shade val="78000"/>
+              </a:schemeClr>
+            </a:gs>
+          </a:gsLst>
+          <a:lin ang="5400000" scaled="0"/>
+        </a:gradFill>
       </a:fillStyleLst>
       <a:lnStyleLst>
-        <a:ln w="12700" cap="flat" cmpd="sng" algn="ctr">
-          <a:solidFill>
-            <a:schemeClr val="phClr">
-              <a:shade val="95000"/>
-              <a:satMod val="105000"/>
-            </a:schemeClr>
-          </a:solidFill>
-          <a:prstDash val="solid"/>
-        </a:ln>
-        <a:ln w="25400" cap="flat" cmpd="sng" algn="ctr">
+        <a:ln w="6350" cap="flat" cmpd="sng" algn="ctr">
           <a:solidFill>
             <a:schemeClr val="phClr"/>
           </a:solidFill>
           <a:prstDash val="solid"/>
+          <a:miter lim="800000"/>
         </a:ln>
-        <a:ln w="38100" cap="flat" cmpd="sng" algn="ctr">
+        <a:ln w="12700" cap="flat" cmpd="sng" algn="ctr">
           <a:solidFill>
             <a:schemeClr val="phClr"/>
           </a:solidFill>
           <a:prstDash val="solid"/>
+          <a:miter lim="800000"/>
+        </a:ln>
+        <a:ln w="19050" cap="flat" cmpd="sng" algn="ctr">
+          <a:solidFill>
+            <a:schemeClr val="phClr"/>
+          </a:solidFill>
+          <a:prstDash val="solid"/>
+          <a:miter lim="800000"/>
         </a:ln>
       </a:lnStyleLst>
       <a:effectStyleLst>
@@ -8943,81 +9179,65 @@
           <a:effectLst/>
         </a:effectStyle>
         <a:effectStyle>
+          <a:effectLst/>
+        </a:effectStyle>
+        <a:effectStyle>
           <a:effectLst>
-            <a:outerShdw blurRad="50800" dist="25400" algn="bl" rotWithShape="0">
+            <a:outerShdw blurRad="57150" dist="19050" dir="5400000" algn="ctr" rotWithShape="0">
               <a:srgbClr val="000000">
-                <a:alpha val="60000"/>
+                <a:alpha val="63000"/>
               </a:srgbClr>
             </a:outerShdw>
           </a:effectLst>
-        </a:effectStyle>
-        <a:effectStyle>
-          <a:effectLst/>
-          <a:scene3d>
-            <a:camera prst="orthographicFront">
-              <a:rot lat="0" lon="0" rev="0"/>
-            </a:camera>
-            <a:lightRig rig="brightRoom" dir="tl">
-              <a:rot lat="0" lon="0" rev="1800000"/>
-            </a:lightRig>
-          </a:scene3d>
-          <a:sp3d contourW="10160" prstMaterial="dkEdge">
-            <a:bevelT w="38100" h="50800" prst="angle"/>
-            <a:contourClr>
-              <a:schemeClr val="phClr">
-                <a:shade val="40000"/>
-                <a:satMod val="150000"/>
-              </a:schemeClr>
-            </a:contourClr>
-          </a:sp3d>
         </a:effectStyle>
       </a:effectStyleLst>
       <a:bgFillStyleLst>
         <a:solidFill>
           <a:schemeClr val="phClr"/>
         </a:solidFill>
+        <a:solidFill>
+          <a:schemeClr val="phClr">
+            <a:tint val="95000"/>
+            <a:satMod val="170000"/>
+          </a:schemeClr>
+        </a:solidFill>
         <a:gradFill rotWithShape="1">
           <a:gsLst>
             <a:gs pos="0">
               <a:schemeClr val="phClr">
-                <a:tint val="90000"/>
+                <a:tint val="93000"/>
+                <a:satMod val="150000"/>
+                <a:shade val="98000"/>
+                <a:lumMod val="102000"/>
               </a:schemeClr>
             </a:gs>
-            <a:gs pos="75000">
+            <a:gs pos="50000">
               <a:schemeClr val="phClr">
-                <a:shade val="100000"/>
-                <a:satMod val="115000"/>
+                <a:tint val="98000"/>
+                <a:satMod val="130000"/>
+                <a:shade val="90000"/>
+                <a:lumMod val="103000"/>
               </a:schemeClr>
             </a:gs>
             <a:gs pos="100000">
               <a:schemeClr val="phClr">
-                <a:shade val="70000"/>
-                <a:satMod val="130000"/>
+                <a:shade val="63000"/>
+                <a:satMod val="120000"/>
               </a:schemeClr>
             </a:gs>
           </a:gsLst>
-          <a:path path="circle">
-            <a:fillToRect l="20000" t="50000" r="100000" b="50000"/>
-          </a:path>
+          <a:lin ang="5400000" scaled="0"/>
         </a:gradFill>
-        <a:blipFill rotWithShape="1">
-          <a:blip xmlns:r="http://schemas.openxmlformats.org/officeDocument/2006/relationships" r:embed="rId1">
-            <a:duotone>
-              <a:schemeClr val="phClr">
-                <a:tint val="97000"/>
-              </a:schemeClr>
-              <a:schemeClr val="phClr">
-                <a:shade val="96000"/>
-              </a:schemeClr>
-            </a:duotone>
-          </a:blip>
-          <a:tile tx="0" ty="0" sx="32000" sy="32000" flip="none" algn="tl"/>
-        </a:blipFill>
       </a:bgFillStyleLst>
     </a:fmtScheme>
   </a:themeElements>
   <a:objectDefaults/>
   <a:extraClrSchemeLst/>
+  <a:extLst>
+    <a:ext uri="{05A4C25C-085E-4340-85A3-A5531E510DB2}">
+      <thm15:themeFamily xmlns:thm15="http://schemas.microsoft.com/office/thememl/2012/main" name="Office Theme" id="{62F939B6-93AF-4DB8-9C6B-D6C7DFDC589F}" vid="{4A3C46E8-61CC-4603-A589-7422A47A8E4A}"/>
+    </a:ext>
+  </a:extLst>
 </a:theme>
 </file>
 
